--- a/Презинтация к проекту.pptx
+++ b/Презинтация к проекту.pptx
@@ -6,18 +6,19 @@
   </p:sldMasterIdLst>
   <p:sldIdLst>
     <p:sldId id="256" r:id="rId2"/>
-    <p:sldId id="257" r:id="rId3"/>
-    <p:sldId id="258" r:id="rId4"/>
-    <p:sldId id="259" r:id="rId5"/>
-    <p:sldId id="260" r:id="rId6"/>
-    <p:sldId id="261" r:id="rId7"/>
-    <p:sldId id="262" r:id="rId8"/>
-    <p:sldId id="263" r:id="rId9"/>
-    <p:sldId id="264" r:id="rId10"/>
-    <p:sldId id="265" r:id="rId11"/>
-    <p:sldId id="267" r:id="rId12"/>
-    <p:sldId id="266" r:id="rId13"/>
-    <p:sldId id="268" r:id="rId14"/>
+    <p:sldId id="269" r:id="rId3"/>
+    <p:sldId id="257" r:id="rId4"/>
+    <p:sldId id="258" r:id="rId5"/>
+    <p:sldId id="259" r:id="rId6"/>
+    <p:sldId id="260" r:id="rId7"/>
+    <p:sldId id="261" r:id="rId8"/>
+    <p:sldId id="262" r:id="rId9"/>
+    <p:sldId id="263" r:id="rId10"/>
+    <p:sldId id="264" r:id="rId11"/>
+    <p:sldId id="265" r:id="rId12"/>
+    <p:sldId id="267" r:id="rId13"/>
+    <p:sldId id="266" r:id="rId14"/>
+    <p:sldId id="268" r:id="rId15"/>
   </p:sldIdLst>
   <p:sldSz cx="12192000" cy="6858000"/>
   <p:notesSz cx="6858000" cy="9144000"/>
@@ -116,6 +117,11 @@
       </a:defRPr>
     </a:lvl9pPr>
   </p:defaultTextStyle>
+  <p:extLst>
+    <p:ext uri="{EFAFB233-063F-42B5-8137-9DF3F51BA10A}">
+      <p15:sldGuideLst xmlns:p15="http://schemas.microsoft.com/office/powerpoint/2012/main"/>
+    </p:ext>
+  </p:extLst>
 </p:presentation>
 </file>
 
@@ -4321,6 +4327,796 @@
           <p:cNvPr id="2" name="Заголовок 1">
             <a:extLst>
               <a:ext uri="{FF2B5EF4-FFF2-40B4-BE49-F238E27FC236}">
+                <a16:creationId xmlns:a16="http://schemas.microsoft.com/office/drawing/2014/main" id="{D2465735-C817-48E1-813E-8B4DA7F7A9F1}"/>
+              </a:ext>
+            </a:extLst>
+          </p:cNvPr>
+          <p:cNvSpPr>
+            <a:spLocks noGrp="1"/>
+          </p:cNvSpPr>
+          <p:nvPr>
+            <p:ph type="ctrTitle"/>
+          </p:nvPr>
+        </p:nvSpPr>
+        <p:spPr>
+          <a:xfrm>
+            <a:off x="477980" y="1122363"/>
+            <a:ext cx="4567567" cy="1961137"/>
+          </a:xfrm>
+        </p:spPr>
+        <p:txBody>
+          <a:bodyPr anchor="b">
+            <a:normAutofit/>
+          </a:bodyPr>
+          <a:lstStyle/>
+          <a:p>
+            <a:pPr algn="l"/>
+            <a:r>
+              <a:rPr lang="en-US" sz="4800" dirty="0">
+                <a:solidFill>
+                  <a:schemeClr val="accent2"/>
+                </a:solidFill>
+              </a:rPr>
+              <a:t>def</a:t>
+            </a:r>
+            <a:r>
+              <a:rPr lang="en-US" sz="4800" dirty="0"/>
+              <a:t> </a:t>
+            </a:r>
+            <a:r>
+              <a:rPr lang="en-US" sz="4800" dirty="0" err="1">
+                <a:solidFill>
+                  <a:schemeClr val="accent4">
+                    <a:lumMod val="75000"/>
+                  </a:schemeClr>
+                </a:solidFill>
+              </a:rPr>
+              <a:t>load_image</a:t>
+            </a:r>
+            <a:r>
+              <a:rPr lang="en-US" sz="4800" dirty="0"/>
+              <a:t>()</a:t>
+            </a:r>
+            <a:endParaRPr lang="ru-RU" sz="4800" dirty="0"/>
+          </a:p>
+        </p:txBody>
+      </p:sp>
+      <p:sp>
+        <p:nvSpPr>
+          <p:cNvPr id="3" name="Подзаголовок 2">
+            <a:extLst>
+              <a:ext uri="{FF2B5EF4-FFF2-40B4-BE49-F238E27FC236}">
+                <a16:creationId xmlns:a16="http://schemas.microsoft.com/office/drawing/2014/main" id="{DF2CC5D9-BAE4-4FA0-A9E0-5D789036ED32}"/>
+              </a:ext>
+            </a:extLst>
+          </p:cNvPr>
+          <p:cNvSpPr>
+            <a:spLocks noGrp="1"/>
+          </p:cNvSpPr>
+          <p:nvPr>
+            <p:ph type="subTitle" idx="1"/>
+          </p:nvPr>
+        </p:nvSpPr>
+        <p:spPr>
+          <a:xfrm>
+            <a:off x="477981" y="4872922"/>
+            <a:ext cx="3933306" cy="1208141"/>
+          </a:xfrm>
+        </p:spPr>
+        <p:txBody>
+          <a:bodyPr>
+            <a:normAutofit/>
+          </a:bodyPr>
+          <a:lstStyle/>
+          <a:p>
+            <a:pPr algn="l"/>
+            <a:r>
+              <a:rPr lang="ru-RU" sz="2000" dirty="0"/>
+              <a:t>Функция загрузки картинок</a:t>
+            </a:r>
+            <a:r>
+              <a:rPr lang="en-US" sz="2000" dirty="0"/>
+              <a:t>.</a:t>
+            </a:r>
+          </a:p>
+          <a:p>
+            <a:pPr algn="l"/>
+            <a:r>
+              <a:rPr lang="ru-RU" sz="2000" dirty="0"/>
+              <a:t>Ниже представлена таже функция только встроенная.</a:t>
+            </a:r>
+          </a:p>
+        </p:txBody>
+      </p:sp>
+      <p:sp>
+        <p:nvSpPr>
+          <p:cNvPr id="16" name="Rectangle 15">
+            <a:extLst>
+              <a:ext uri="{FF2B5EF4-FFF2-40B4-BE49-F238E27FC236}">
+                <a16:creationId xmlns:a16="http://schemas.microsoft.com/office/drawing/2014/main" id="{AF2F604E-43BE-4DC3-B983-E071523364F8}"/>
+              </a:ext>
+              <a:ext uri="{C183D7F6-B498-43B3-948B-1728B52AA6E4}">
+                <adec:decorative xmlns:adec="http://schemas.microsoft.com/office/drawing/2017/decorative" val="1"/>
+              </a:ext>
+            </a:extLst>
+          </p:cNvPr>
+          <p:cNvSpPr>
+            <a:spLocks noGrp="1" noRot="1" noChangeAspect="1" noMove="1" noResize="1" noEditPoints="1" noAdjustHandles="1" noChangeArrowheads="1" noChangeShapeType="1" noTextEdit="1"/>
+          </p:cNvSpPr>
+          <p:nvPr>
+            <p:extLst>
+              <p:ext uri="{386F3935-93C4-4BCD-93E2-E3B085C9AB24}">
+                <p16:designElem xmlns:p16="http://schemas.microsoft.com/office/powerpoint/2015/main" val="1"/>
+              </p:ext>
+            </p:extLst>
+          </p:nvPr>
+        </p:nvSpPr>
+        <p:spPr>
+          <a:xfrm rot="5400000">
+            <a:off x="759921" y="346791"/>
+            <a:ext cx="146304" cy="704088"/>
+          </a:xfrm>
+          <a:prstGeom prst="rect">
+            <a:avLst/>
+          </a:prstGeom>
+          <a:solidFill>
+            <a:schemeClr val="accent2"/>
+          </a:solidFill>
+          <a:ln>
+            <a:noFill/>
+          </a:ln>
+        </p:spPr>
+        <p:style>
+          <a:lnRef idx="2">
+            <a:schemeClr val="accent1">
+              <a:shade val="50000"/>
+            </a:schemeClr>
+          </a:lnRef>
+          <a:fillRef idx="1">
+            <a:schemeClr val="accent1"/>
+          </a:fillRef>
+          <a:effectRef idx="0">
+            <a:schemeClr val="accent1"/>
+          </a:effectRef>
+          <a:fontRef idx="minor">
+            <a:schemeClr val="lt1"/>
+          </a:fontRef>
+        </p:style>
+        <p:txBody>
+          <a:bodyPr rtlCol="0" anchor="ctr"/>
+          <a:lstStyle/>
+          <a:p>
+            <a:pPr algn="ctr"/>
+            <a:endParaRPr lang="en-US">
+              <a:solidFill>
+                <a:prstClr val="white"/>
+              </a:solidFill>
+              <a:latin typeface="Calibri" panose="020F0502020204030204"/>
+            </a:endParaRPr>
+          </a:p>
+        </p:txBody>
+      </p:sp>
+      <p:sp>
+        <p:nvSpPr>
+          <p:cNvPr id="18" name="Rectangle 17">
+            <a:extLst>
+              <a:ext uri="{FF2B5EF4-FFF2-40B4-BE49-F238E27FC236}">
+                <a16:creationId xmlns:a16="http://schemas.microsoft.com/office/drawing/2014/main" id="{08C9B587-E65E-4B52-B37C-ABEBB6E87928}"/>
+              </a:ext>
+              <a:ext uri="{C183D7F6-B498-43B3-948B-1728B52AA6E4}">
+                <adec:decorative xmlns:adec="http://schemas.microsoft.com/office/drawing/2017/decorative" val="1"/>
+              </a:ext>
+            </a:extLst>
+          </p:cNvPr>
+          <p:cNvSpPr>
+            <a:spLocks noGrp="1" noRot="1" noChangeAspect="1" noMove="1" noResize="1" noEditPoints="1" noAdjustHandles="1" noChangeArrowheads="1" noChangeShapeType="1" noTextEdit="1"/>
+          </p:cNvSpPr>
+          <p:nvPr>
+            <p:extLst>
+              <p:ext uri="{386F3935-93C4-4BCD-93E2-E3B085C9AB24}">
+                <p16:designElem xmlns:p16="http://schemas.microsoft.com/office/powerpoint/2015/main" val="1"/>
+              </p:ext>
+            </p:extLst>
+          </p:nvPr>
+        </p:nvSpPr>
+        <p:spPr>
+          <a:xfrm>
+            <a:off x="481029" y="4546920"/>
+            <a:ext cx="4023360" cy="18288"/>
+          </a:xfrm>
+          <a:prstGeom prst="rect">
+            <a:avLst/>
+          </a:prstGeom>
+          <a:solidFill>
+            <a:srgbClr val="D5D5D5"/>
+          </a:solidFill>
+          <a:ln w="3175">
+            <a:noFill/>
+          </a:ln>
+          <a:effectLst/>
+        </p:spPr>
+        <p:style>
+          <a:lnRef idx="2">
+            <a:schemeClr val="accent1">
+              <a:shade val="50000"/>
+            </a:schemeClr>
+          </a:lnRef>
+          <a:fillRef idx="1">
+            <a:schemeClr val="accent1"/>
+          </a:fillRef>
+          <a:effectRef idx="0">
+            <a:schemeClr val="accent1"/>
+          </a:effectRef>
+          <a:fontRef idx="minor">
+            <a:schemeClr val="lt1"/>
+          </a:fontRef>
+        </p:style>
+        <p:txBody>
+          <a:bodyPr rtlCol="0" anchor="ctr"/>
+          <a:lstStyle/>
+          <a:p>
+            <a:pPr marL="0" marR="0" lvl="0" indent="0" algn="ctr" defTabSz="914400" rtl="0" eaLnBrk="1" fontAlgn="auto" latinLnBrk="0" hangingPunct="1">
+              <a:lnSpc>
+                <a:spcPct val="100000"/>
+              </a:lnSpc>
+              <a:spcBef>
+                <a:spcPts val="0"/>
+              </a:spcBef>
+              <a:spcAft>
+                <a:spcPts val="0"/>
+              </a:spcAft>
+              <a:buClrTx/>
+              <a:buSzTx/>
+              <a:buFontTx/>
+              <a:buNone/>
+              <a:tabLst/>
+              <a:defRPr/>
+            </a:pPr>
+            <a:endParaRPr kumimoji="0" lang="en-US" sz="1800" b="0" i="0" u="none" strike="noStrike" kern="1200" cap="none" spc="0" normalizeH="0" baseline="0" noProof="0">
+              <a:ln>
+                <a:noFill/>
+              </a:ln>
+              <a:solidFill>
+                <a:prstClr val="white"/>
+              </a:solidFill>
+              <a:effectLst/>
+              <a:uLnTx/>
+              <a:uFillTx/>
+              <a:latin typeface="Calibri" panose="020F0502020204030204"/>
+              <a:ea typeface="+mn-ea"/>
+              <a:cs typeface="+mn-cs"/>
+            </a:endParaRPr>
+          </a:p>
+        </p:txBody>
+      </p:sp>
+      <p:pic>
+        <p:nvPicPr>
+          <p:cNvPr id="5" name="Рисунок 4" descr="Изображение выглядит как текст, снимок экрана, Шрифт&#10;&#10;Автоматически созданное описание">
+            <a:extLst>
+              <a:ext uri="{FF2B5EF4-FFF2-40B4-BE49-F238E27FC236}">
+                <a16:creationId xmlns:a16="http://schemas.microsoft.com/office/drawing/2014/main" id="{ABEAD5D0-1232-4E64-806C-F42D05452E3C}"/>
+              </a:ext>
+            </a:extLst>
+          </p:cNvPr>
+          <p:cNvPicPr>
+            <a:picLocks noChangeAspect="1"/>
+          </p:cNvPicPr>
+          <p:nvPr/>
+        </p:nvPicPr>
+        <p:blipFill>
+          <a:blip r:embed="rId2"/>
+          <a:stretch>
+            <a:fillRect/>
+          </a:stretch>
+        </p:blipFill>
+        <p:spPr>
+          <a:xfrm>
+            <a:off x="5414356" y="1747967"/>
+            <a:ext cx="6408836" cy="3210814"/>
+          </a:xfrm>
+          <a:prstGeom prst="rect">
+            <a:avLst/>
+          </a:prstGeom>
+        </p:spPr>
+      </p:pic>
+      <p:pic>
+        <p:nvPicPr>
+          <p:cNvPr id="7" name="Рисунок 6">
+            <a:extLst>
+              <a:ext uri="{FF2B5EF4-FFF2-40B4-BE49-F238E27FC236}">
+                <a16:creationId xmlns:a16="http://schemas.microsoft.com/office/drawing/2014/main" id="{31115F63-EB3D-4F8E-8014-0DB8BE900875}"/>
+              </a:ext>
+            </a:extLst>
+          </p:cNvPr>
+          <p:cNvPicPr>
+            <a:picLocks noChangeAspect="1"/>
+          </p:cNvPicPr>
+          <p:nvPr/>
+        </p:nvPicPr>
+        <p:blipFill>
+          <a:blip r:embed="rId3"/>
+          <a:stretch>
+            <a:fillRect/>
+          </a:stretch>
+        </p:blipFill>
+        <p:spPr>
+          <a:xfrm>
+            <a:off x="4396390" y="5113943"/>
+            <a:ext cx="790311" cy="726098"/>
+          </a:xfrm>
+          <a:prstGeom prst="rect">
+            <a:avLst/>
+          </a:prstGeom>
+        </p:spPr>
+      </p:pic>
+      <p:pic>
+        <p:nvPicPr>
+          <p:cNvPr id="9" name="Рисунок 8">
+            <a:extLst>
+              <a:ext uri="{FF2B5EF4-FFF2-40B4-BE49-F238E27FC236}">
+                <a16:creationId xmlns:a16="http://schemas.microsoft.com/office/drawing/2014/main" id="{BEAD2C92-D072-4DD8-BCDE-647DA748D027}"/>
+              </a:ext>
+            </a:extLst>
+          </p:cNvPr>
+          <p:cNvPicPr>
+            <a:picLocks noChangeAspect="1"/>
+          </p:cNvPicPr>
+          <p:nvPr/>
+        </p:nvPicPr>
+        <p:blipFill>
+          <a:blip r:embed="rId4"/>
+          <a:stretch>
+            <a:fillRect/>
+          </a:stretch>
+        </p:blipFill>
+        <p:spPr>
+          <a:xfrm>
+            <a:off x="1574279" y="3019581"/>
+            <a:ext cx="1836860" cy="1500803"/>
+          </a:xfrm>
+          <a:prstGeom prst="rect">
+            <a:avLst/>
+          </a:prstGeom>
+        </p:spPr>
+      </p:pic>
+    </p:spTree>
+    <p:extLst>
+      <p:ext uri="{BB962C8B-B14F-4D97-AF65-F5344CB8AC3E}">
+        <p14:creationId xmlns:p14="http://schemas.microsoft.com/office/powerpoint/2010/main" val="3525584728"/>
+      </p:ext>
+    </p:extLst>
+  </p:cSld>
+  <p:clrMapOvr>
+    <a:masterClrMapping/>
+  </p:clrMapOvr>
+</p:sld>
+</file>
+
+<file path=ppt/slides/slide11.xml><?xml version="1.0" encoding="utf-8"?>
+<p:sld xmlns:a="http://schemas.openxmlformats.org/drawingml/2006/main" xmlns:r="http://schemas.openxmlformats.org/officeDocument/2006/relationships" xmlns:p="http://schemas.openxmlformats.org/presentationml/2006/main">
+  <p:cSld>
+    <p:bg>
+      <p:bgPr>
+        <a:solidFill>
+          <a:schemeClr val="bg1"/>
+        </a:solidFill>
+        <a:effectLst/>
+      </p:bgPr>
+    </p:bg>
+    <p:spTree>
+      <p:nvGrpSpPr>
+        <p:cNvPr id="1" name=""/>
+        <p:cNvGrpSpPr/>
+        <p:nvPr/>
+      </p:nvGrpSpPr>
+      <p:grpSpPr>
+        <a:xfrm>
+          <a:off x="0" y="0"/>
+          <a:ext cx="0" cy="0"/>
+          <a:chOff x="0" y="0"/>
+          <a:chExt cx="0" cy="0"/>
+        </a:xfrm>
+      </p:grpSpPr>
+      <p:sp useBgFill="1">
+        <p:nvSpPr>
+          <p:cNvPr id="10" name="Rectangle 9">
+            <a:extLst>
+              <a:ext uri="{FF2B5EF4-FFF2-40B4-BE49-F238E27FC236}">
+                <a16:creationId xmlns:a16="http://schemas.microsoft.com/office/drawing/2014/main" id="{5DCB5928-DC7D-4612-9922-441966E15627}"/>
+              </a:ext>
+              <a:ext uri="{C183D7F6-B498-43B3-948B-1728B52AA6E4}">
+                <adec:decorative xmlns:adec="http://schemas.microsoft.com/office/drawing/2017/decorative" val="1"/>
+              </a:ext>
+            </a:extLst>
+          </p:cNvPr>
+          <p:cNvSpPr>
+            <a:spLocks noGrp="1" noRot="1" noChangeAspect="1" noMove="1" noResize="1" noEditPoints="1" noAdjustHandles="1" noChangeArrowheads="1" noChangeShapeType="1" noTextEdit="1"/>
+          </p:cNvSpPr>
+          <p:nvPr>
+            <p:extLst>
+              <p:ext uri="{386F3935-93C4-4BCD-93E2-E3B085C9AB24}">
+                <p16:designElem xmlns:p16="http://schemas.microsoft.com/office/powerpoint/2015/main" val="1"/>
+              </p:ext>
+            </p:extLst>
+          </p:nvPr>
+        </p:nvSpPr>
+        <p:spPr>
+          <a:xfrm>
+            <a:off x="0" y="0"/>
+            <a:ext cx="12192000" cy="6858000"/>
+          </a:xfrm>
+          <a:prstGeom prst="rect">
+            <a:avLst/>
+          </a:prstGeom>
+          <a:ln>
+            <a:noFill/>
+          </a:ln>
+        </p:spPr>
+        <p:style>
+          <a:lnRef idx="2">
+            <a:schemeClr val="accent1">
+              <a:shade val="50000"/>
+            </a:schemeClr>
+          </a:lnRef>
+          <a:fillRef idx="1">
+            <a:schemeClr val="accent1"/>
+          </a:fillRef>
+          <a:effectRef idx="0">
+            <a:schemeClr val="accent1"/>
+          </a:effectRef>
+          <a:fontRef idx="minor">
+            <a:schemeClr val="lt1"/>
+          </a:fontRef>
+        </p:style>
+        <p:txBody>
+          <a:bodyPr rtlCol="0" anchor="ctr"/>
+          <a:lstStyle/>
+          <a:p>
+            <a:pPr algn="ctr"/>
+            <a:endParaRPr lang="en-US"/>
+          </a:p>
+        </p:txBody>
+      </p:sp>
+      <p:sp useBgFill="1">
+        <p:nvSpPr>
+          <p:cNvPr id="12" name="Freeform: Shape 11">
+            <a:extLst>
+              <a:ext uri="{FF2B5EF4-FFF2-40B4-BE49-F238E27FC236}">
+                <a16:creationId xmlns:a16="http://schemas.microsoft.com/office/drawing/2014/main" id="{682C1161-1736-45EC-99B7-33F3CAE9D517}"/>
+              </a:ext>
+              <a:ext uri="{C183D7F6-B498-43B3-948B-1728B52AA6E4}">
+                <adec:decorative xmlns:adec="http://schemas.microsoft.com/office/drawing/2017/decorative" val="1"/>
+              </a:ext>
+            </a:extLst>
+          </p:cNvPr>
+          <p:cNvSpPr>
+            <a:spLocks noGrp="1" noRot="1" noChangeAspect="1" noMove="1" noResize="1" noEditPoints="1" noAdjustHandles="1" noChangeArrowheads="1" noChangeShapeType="1" noTextEdit="1"/>
+          </p:cNvSpPr>
+          <p:nvPr>
+            <p:extLst>
+              <p:ext uri="{386F3935-93C4-4BCD-93E2-E3B085C9AB24}">
+                <p16:designElem xmlns:p16="http://schemas.microsoft.com/office/powerpoint/2015/main" val="1"/>
+              </p:ext>
+            </p:extLst>
+          </p:nvPr>
+        </p:nvSpPr>
+        <p:spPr>
+          <a:xfrm>
+            <a:off x="0" y="0"/>
+            <a:ext cx="4959047" cy="6858000"/>
+          </a:xfrm>
+          <a:custGeom>
+            <a:avLst/>
+            <a:gdLst>
+              <a:gd name="connsiteX0" fmla="*/ 0 w 4959047"/>
+              <a:gd name="connsiteY0" fmla="*/ 0 h 6858000"/>
+              <a:gd name="connsiteX1" fmla="*/ 4110127 w 4959047"/>
+              <a:gd name="connsiteY1" fmla="*/ 0 h 6858000"/>
+              <a:gd name="connsiteX2" fmla="*/ 4179024 w 4959047"/>
+              <a:gd name="connsiteY2" fmla="*/ 123368 h 6858000"/>
+              <a:gd name="connsiteX3" fmla="*/ 4959047 w 4959047"/>
+              <a:gd name="connsiteY3" fmla="*/ 3429000 h 6858000"/>
+              <a:gd name="connsiteX4" fmla="*/ 4179024 w 4959047"/>
+              <a:gd name="connsiteY4" fmla="*/ 6734633 h 6858000"/>
+              <a:gd name="connsiteX5" fmla="*/ 4110127 w 4959047"/>
+              <a:gd name="connsiteY5" fmla="*/ 6858000 h 6858000"/>
+              <a:gd name="connsiteX6" fmla="*/ 0 w 4959047"/>
+              <a:gd name="connsiteY6" fmla="*/ 6858000 h 6858000"/>
+            </a:gdLst>
+            <a:ahLst/>
+            <a:cxnLst>
+              <a:cxn ang="0">
+                <a:pos x="connsiteX0" y="connsiteY0"/>
+              </a:cxn>
+              <a:cxn ang="0">
+                <a:pos x="connsiteX1" y="connsiteY1"/>
+              </a:cxn>
+              <a:cxn ang="0">
+                <a:pos x="connsiteX2" y="connsiteY2"/>
+              </a:cxn>
+              <a:cxn ang="0">
+                <a:pos x="connsiteX3" y="connsiteY3"/>
+              </a:cxn>
+              <a:cxn ang="0">
+                <a:pos x="connsiteX4" y="connsiteY4"/>
+              </a:cxn>
+              <a:cxn ang="0">
+                <a:pos x="connsiteX5" y="connsiteY5"/>
+              </a:cxn>
+              <a:cxn ang="0">
+                <a:pos x="connsiteX6" y="connsiteY6"/>
+              </a:cxn>
+            </a:cxnLst>
+            <a:rect l="l" t="t" r="r" b="b"/>
+            <a:pathLst>
+              <a:path w="4959047" h="6858000">
+                <a:moveTo>
+                  <a:pt x="0" y="0"/>
+                </a:moveTo>
+                <a:lnTo>
+                  <a:pt x="4110127" y="0"/>
+                </a:lnTo>
+                <a:lnTo>
+                  <a:pt x="4179024" y="123368"/>
+                </a:lnTo>
+                <a:cubicBezTo>
+                  <a:pt x="4668929" y="1045156"/>
+                  <a:pt x="4959047" y="2189404"/>
+                  <a:pt x="4959047" y="3429000"/>
+                </a:cubicBezTo>
+                <a:cubicBezTo>
+                  <a:pt x="4959047" y="4668597"/>
+                  <a:pt x="4668929" y="5812845"/>
+                  <a:pt x="4179024" y="6734633"/>
+                </a:cubicBezTo>
+                <a:lnTo>
+                  <a:pt x="4110127" y="6858000"/>
+                </a:lnTo>
+                <a:lnTo>
+                  <a:pt x="0" y="6858000"/>
+                </a:lnTo>
+                <a:close/>
+              </a:path>
+            </a:pathLst>
+          </a:custGeom>
+          <a:ln w="9525">
+            <a:solidFill>
+              <a:srgbClr val="E6E6E6"/>
+            </a:solidFill>
+          </a:ln>
+          <a:effectLst>
+            <a:outerShdw blurRad="76200" dist="38100" algn="l" rotWithShape="0">
+              <a:schemeClr val="bg1">
+                <a:lumMod val="85000"/>
+                <a:alpha val="50000"/>
+              </a:schemeClr>
+            </a:outerShdw>
+          </a:effectLst>
+        </p:spPr>
+        <p:style>
+          <a:lnRef idx="2">
+            <a:schemeClr val="accent1">
+              <a:shade val="50000"/>
+            </a:schemeClr>
+          </a:lnRef>
+          <a:fillRef idx="1">
+            <a:schemeClr val="accent1"/>
+          </a:fillRef>
+          <a:effectRef idx="0">
+            <a:schemeClr val="accent1"/>
+          </a:effectRef>
+          <a:fontRef idx="minor">
+            <a:schemeClr val="lt1"/>
+          </a:fontRef>
+        </p:style>
+        <p:txBody>
+          <a:bodyPr wrap="square" rtlCol="0" anchor="ctr">
+            <a:noAutofit/>
+          </a:bodyPr>
+          <a:lstStyle/>
+          <a:p>
+            <a:pPr marL="0" marR="0" lvl="0" indent="0" algn="ctr" defTabSz="914400" rtl="0" eaLnBrk="1" fontAlgn="auto" latinLnBrk="0" hangingPunct="1">
+              <a:lnSpc>
+                <a:spcPct val="100000"/>
+              </a:lnSpc>
+              <a:spcBef>
+                <a:spcPts val="0"/>
+              </a:spcBef>
+              <a:spcAft>
+                <a:spcPts val="0"/>
+              </a:spcAft>
+              <a:buClrTx/>
+              <a:buSzTx/>
+              <a:buFontTx/>
+              <a:buNone/>
+              <a:tabLst/>
+              <a:defRPr/>
+            </a:pPr>
+            <a:endParaRPr kumimoji="0" lang="en-US" sz="1800" b="0" i="0" u="none" strike="noStrike" kern="1200" cap="none" spc="0" normalizeH="0" baseline="0" noProof="0">
+              <a:ln>
+                <a:noFill/>
+              </a:ln>
+              <a:solidFill>
+                <a:prstClr val="white"/>
+              </a:solidFill>
+              <a:effectLst/>
+              <a:uLnTx/>
+              <a:uFillTx/>
+              <a:latin typeface="Calibri" panose="020F0502020204030204"/>
+              <a:ea typeface="+mn-ea"/>
+              <a:cs typeface="+mn-cs"/>
+            </a:endParaRPr>
+          </a:p>
+        </p:txBody>
+      </p:sp>
+      <p:sp useBgFill="1">
+        <p:nvSpPr>
+          <p:cNvPr id="14" name="Freeform: Shape 13">
+            <a:extLst>
+              <a:ext uri="{FF2B5EF4-FFF2-40B4-BE49-F238E27FC236}">
+                <a16:creationId xmlns:a16="http://schemas.microsoft.com/office/drawing/2014/main" id="{84D4DDB8-B68F-45B0-9F62-C4279996F672}"/>
+              </a:ext>
+              <a:ext uri="{C183D7F6-B498-43B3-948B-1728B52AA6E4}">
+                <adec:decorative xmlns:adec="http://schemas.microsoft.com/office/drawing/2017/decorative" val="1"/>
+              </a:ext>
+            </a:extLst>
+          </p:cNvPr>
+          <p:cNvSpPr>
+            <a:spLocks noGrp="1" noRot="1" noChangeAspect="1" noMove="1" noResize="1" noEditPoints="1" noAdjustHandles="1" noChangeArrowheads="1" noChangeShapeType="1" noTextEdit="1"/>
+          </p:cNvSpPr>
+          <p:nvPr>
+            <p:extLst>
+              <p:ext uri="{386F3935-93C4-4BCD-93E2-E3B085C9AB24}">
+                <p16:designElem xmlns:p16="http://schemas.microsoft.com/office/powerpoint/2015/main" val="1"/>
+              </p:ext>
+            </p:extLst>
+          </p:nvPr>
+        </p:nvSpPr>
+        <p:spPr>
+          <a:xfrm>
+            <a:off x="0" y="0"/>
+            <a:ext cx="4948887" cy="6858000"/>
+          </a:xfrm>
+          <a:custGeom>
+            <a:avLst/>
+            <a:gdLst>
+              <a:gd name="connsiteX0" fmla="*/ 0 w 4948887"/>
+              <a:gd name="connsiteY0" fmla="*/ 0 h 6858000"/>
+              <a:gd name="connsiteX1" fmla="*/ 4099967 w 4948887"/>
+              <a:gd name="connsiteY1" fmla="*/ 0 h 6858000"/>
+              <a:gd name="connsiteX2" fmla="*/ 4168864 w 4948887"/>
+              <a:gd name="connsiteY2" fmla="*/ 123368 h 6858000"/>
+              <a:gd name="connsiteX3" fmla="*/ 4948887 w 4948887"/>
+              <a:gd name="connsiteY3" fmla="*/ 3429000 h 6858000"/>
+              <a:gd name="connsiteX4" fmla="*/ 4168864 w 4948887"/>
+              <a:gd name="connsiteY4" fmla="*/ 6734633 h 6858000"/>
+              <a:gd name="connsiteX5" fmla="*/ 4099967 w 4948887"/>
+              <a:gd name="connsiteY5" fmla="*/ 6858000 h 6858000"/>
+              <a:gd name="connsiteX6" fmla="*/ 0 w 4948887"/>
+              <a:gd name="connsiteY6" fmla="*/ 6858000 h 6858000"/>
+            </a:gdLst>
+            <a:ahLst/>
+            <a:cxnLst>
+              <a:cxn ang="0">
+                <a:pos x="connsiteX0" y="connsiteY0"/>
+              </a:cxn>
+              <a:cxn ang="0">
+                <a:pos x="connsiteX1" y="connsiteY1"/>
+              </a:cxn>
+              <a:cxn ang="0">
+                <a:pos x="connsiteX2" y="connsiteY2"/>
+              </a:cxn>
+              <a:cxn ang="0">
+                <a:pos x="connsiteX3" y="connsiteY3"/>
+              </a:cxn>
+              <a:cxn ang="0">
+                <a:pos x="connsiteX4" y="connsiteY4"/>
+              </a:cxn>
+              <a:cxn ang="0">
+                <a:pos x="connsiteX5" y="connsiteY5"/>
+              </a:cxn>
+              <a:cxn ang="0">
+                <a:pos x="connsiteX6" y="connsiteY6"/>
+              </a:cxn>
+            </a:cxnLst>
+            <a:rect l="l" t="t" r="r" b="b"/>
+            <a:pathLst>
+              <a:path w="4948887" h="6858000">
+                <a:moveTo>
+                  <a:pt x="0" y="0"/>
+                </a:moveTo>
+                <a:lnTo>
+                  <a:pt x="4099967" y="0"/>
+                </a:lnTo>
+                <a:lnTo>
+                  <a:pt x="4168864" y="123368"/>
+                </a:lnTo>
+                <a:cubicBezTo>
+                  <a:pt x="4658769" y="1045156"/>
+                  <a:pt x="4948887" y="2189404"/>
+                  <a:pt x="4948887" y="3429000"/>
+                </a:cubicBezTo>
+                <a:cubicBezTo>
+                  <a:pt x="4948887" y="4668597"/>
+                  <a:pt x="4658769" y="5812845"/>
+                  <a:pt x="4168864" y="6734633"/>
+                </a:cubicBezTo>
+                <a:lnTo>
+                  <a:pt x="4099967" y="6858000"/>
+                </a:lnTo>
+                <a:lnTo>
+                  <a:pt x="0" y="6858000"/>
+                </a:lnTo>
+                <a:close/>
+              </a:path>
+            </a:pathLst>
+          </a:custGeom>
+          <a:ln w="9525">
+            <a:noFill/>
+          </a:ln>
+          <a:effectLst/>
+        </p:spPr>
+        <p:style>
+          <a:lnRef idx="2">
+            <a:schemeClr val="accent1">
+              <a:shade val="50000"/>
+            </a:schemeClr>
+          </a:lnRef>
+          <a:fillRef idx="1">
+            <a:schemeClr val="accent1"/>
+          </a:fillRef>
+          <a:effectRef idx="0">
+            <a:schemeClr val="accent1"/>
+          </a:effectRef>
+          <a:fontRef idx="minor">
+            <a:schemeClr val="lt1"/>
+          </a:fontRef>
+        </p:style>
+        <p:txBody>
+          <a:bodyPr wrap="square" rtlCol="0" anchor="ctr">
+            <a:noAutofit/>
+          </a:bodyPr>
+          <a:lstStyle/>
+          <a:p>
+            <a:pPr marL="0" marR="0" lvl="0" indent="0" algn="ctr" defTabSz="914400" rtl="0" eaLnBrk="1" fontAlgn="auto" latinLnBrk="0" hangingPunct="1">
+              <a:lnSpc>
+                <a:spcPct val="100000"/>
+              </a:lnSpc>
+              <a:spcBef>
+                <a:spcPts val="0"/>
+              </a:spcBef>
+              <a:spcAft>
+                <a:spcPts val="0"/>
+              </a:spcAft>
+              <a:buClrTx/>
+              <a:buSzTx/>
+              <a:buFontTx/>
+              <a:buNone/>
+              <a:tabLst/>
+              <a:defRPr/>
+            </a:pPr>
+            <a:endParaRPr kumimoji="0" lang="en-US" sz="1800" b="0" i="0" u="none" strike="noStrike" kern="1200" cap="none" spc="0" normalizeH="0" baseline="0" noProof="0">
+              <a:ln>
+                <a:noFill/>
+              </a:ln>
+              <a:solidFill>
+                <a:prstClr val="white"/>
+              </a:solidFill>
+              <a:effectLst/>
+              <a:uLnTx/>
+              <a:uFillTx/>
+              <a:latin typeface="Calibri" panose="020F0502020204030204"/>
+              <a:ea typeface="+mn-ea"/>
+              <a:cs typeface="+mn-cs"/>
+            </a:endParaRPr>
+          </a:p>
+        </p:txBody>
+      </p:sp>
+      <p:sp>
+        <p:nvSpPr>
+          <p:cNvPr id="2" name="Заголовок 1">
+            <a:extLst>
+              <a:ext uri="{FF2B5EF4-FFF2-40B4-BE49-F238E27FC236}">
                 <a16:creationId xmlns:a16="http://schemas.microsoft.com/office/drawing/2014/main" id="{E2F70E2D-F154-40FA-8A1C-3961D416F322}"/>
               </a:ext>
             </a:extLst>
@@ -4622,7 +5418,7 @@
 </p:sld>
 </file>
 
-<file path=ppt/slides/slide11.xml><?xml version="1.0" encoding="utf-8"?>
+<file path=ppt/slides/slide12.xml><?xml version="1.0" encoding="utf-8"?>
 <p:sld xmlns:a="http://schemas.openxmlformats.org/drawingml/2006/main" xmlns:r="http://schemas.openxmlformats.org/officeDocument/2006/relationships" xmlns:p="http://schemas.openxmlformats.org/presentationml/2006/main">
   <p:cSld>
     <p:bg>
@@ -5240,7 +6036,7 @@
 </p:sld>
 </file>
 
-<file path=ppt/slides/slide12.xml><?xml version="1.0" encoding="utf-8"?>
+<file path=ppt/slides/slide13.xml><?xml version="1.0" encoding="utf-8"?>
 <p:sld xmlns:a="http://schemas.openxmlformats.org/drawingml/2006/main" xmlns:r="http://schemas.openxmlformats.org/officeDocument/2006/relationships" xmlns:p="http://schemas.openxmlformats.org/presentationml/2006/main">
   <p:cSld>
     <p:bg>
@@ -5689,7 +6485,7 @@
 </p:sld>
 </file>
 
-<file path=ppt/slides/slide13.xml><?xml version="1.0" encoding="utf-8"?>
+<file path=ppt/slides/slide14.xml><?xml version="1.0" encoding="utf-8"?>
 <p:sld xmlns:a="http://schemas.openxmlformats.org/drawingml/2006/main" xmlns:r="http://schemas.openxmlformats.org/officeDocument/2006/relationships" xmlns:p="http://schemas.openxmlformats.org/presentationml/2006/main">
   <p:cSld>
     <p:bg>
@@ -6047,6 +6843,1205 @@
       </p:grpSpPr>
       <p:sp useBgFill="1">
         <p:nvSpPr>
+          <p:cNvPr id="10" name="Rectangle 9">
+            <a:extLst>
+              <a:ext uri="{FF2B5EF4-FFF2-40B4-BE49-F238E27FC236}">
+                <a16:creationId xmlns:a16="http://schemas.microsoft.com/office/drawing/2014/main" id="{9B6CD22E-2269-419F-9E81-016EA035D4C1}"/>
+              </a:ext>
+              <a:ext uri="{C183D7F6-B498-43B3-948B-1728B52AA6E4}">
+                <adec:decorative xmlns:adec="http://schemas.microsoft.com/office/drawing/2017/decorative" val="1"/>
+              </a:ext>
+            </a:extLst>
+          </p:cNvPr>
+          <p:cNvSpPr>
+            <a:spLocks noGrp="1" noRot="1" noChangeAspect="1" noMove="1" noResize="1" noEditPoints="1" noAdjustHandles="1" noChangeArrowheads="1" noChangeShapeType="1" noTextEdit="1"/>
+          </p:cNvSpPr>
+          <p:nvPr>
+            <p:extLst>
+              <p:ext uri="{386F3935-93C4-4BCD-93E2-E3B085C9AB24}">
+                <p16:designElem xmlns:p16="http://schemas.microsoft.com/office/powerpoint/2015/main" val="1"/>
+              </p:ext>
+            </p:extLst>
+          </p:nvPr>
+        </p:nvSpPr>
+        <p:spPr>
+          <a:xfrm>
+            <a:off x="0" y="0"/>
+            <a:ext cx="12188952" cy="6858000"/>
+          </a:xfrm>
+          <a:prstGeom prst="rect">
+            <a:avLst/>
+          </a:prstGeom>
+          <a:ln>
+            <a:noFill/>
+          </a:ln>
+        </p:spPr>
+        <p:style>
+          <a:lnRef idx="2">
+            <a:schemeClr val="accent1">
+              <a:shade val="50000"/>
+            </a:schemeClr>
+          </a:lnRef>
+          <a:fillRef idx="1">
+            <a:schemeClr val="accent1"/>
+          </a:fillRef>
+          <a:effectRef idx="0">
+            <a:schemeClr val="accent1"/>
+          </a:effectRef>
+          <a:fontRef idx="minor">
+            <a:schemeClr val="lt1"/>
+          </a:fontRef>
+        </p:style>
+        <p:txBody>
+          <a:bodyPr rtlCol="0" anchor="ctr"/>
+          <a:lstStyle/>
+          <a:p>
+            <a:pPr algn="ctr"/>
+            <a:endParaRPr lang="en-US"/>
+          </a:p>
+        </p:txBody>
+      </p:sp>
+      <p:sp>
+        <p:nvSpPr>
+          <p:cNvPr id="2" name="Заголовок 1">
+            <a:extLst>
+              <a:ext uri="{FF2B5EF4-FFF2-40B4-BE49-F238E27FC236}">
+                <a16:creationId xmlns:a16="http://schemas.microsoft.com/office/drawing/2014/main" id="{396A3CC7-70F4-49F9-8103-368AA1B5BCE2}"/>
+              </a:ext>
+            </a:extLst>
+          </p:cNvPr>
+          <p:cNvSpPr>
+            <a:spLocks noGrp="1"/>
+          </p:cNvSpPr>
+          <p:nvPr>
+            <p:ph type="ctrTitle"/>
+          </p:nvPr>
+        </p:nvSpPr>
+        <p:spPr>
+          <a:xfrm>
+            <a:off x="647132" y="1295231"/>
+            <a:ext cx="5895178" cy="3807446"/>
+          </a:xfrm>
+        </p:spPr>
+        <p:txBody>
+          <a:bodyPr anchor="b">
+            <a:normAutofit/>
+          </a:bodyPr>
+          <a:lstStyle/>
+          <a:p>
+            <a:pPr algn="l"/>
+            <a:r>
+              <a:rPr lang="ru-RU" sz="6600" dirty="0"/>
+              <a:t>Описание</a:t>
+            </a:r>
+          </a:p>
+        </p:txBody>
+      </p:sp>
+      <p:sp>
+        <p:nvSpPr>
+          <p:cNvPr id="12" name="Freeform: Shape 11">
+            <a:extLst>
+              <a:ext uri="{FF2B5EF4-FFF2-40B4-BE49-F238E27FC236}">
+                <a16:creationId xmlns:a16="http://schemas.microsoft.com/office/drawing/2014/main" id="{AA607D34-E2A9-4595-9DB2-5472E077CA49}"/>
+              </a:ext>
+              <a:ext uri="{C183D7F6-B498-43B3-948B-1728B52AA6E4}">
+                <adec:decorative xmlns:adec="http://schemas.microsoft.com/office/drawing/2017/decorative" val="1"/>
+              </a:ext>
+            </a:extLst>
+          </p:cNvPr>
+          <p:cNvSpPr>
+            <a:spLocks noGrp="1" noRot="1" noChangeAspect="1" noMove="1" noResize="1" noEditPoints="1" noAdjustHandles="1" noChangeArrowheads="1" noChangeShapeType="1" noTextEdit="1"/>
+          </p:cNvSpPr>
+          <p:nvPr>
+            <p:extLst>
+              <p:ext uri="{386F3935-93C4-4BCD-93E2-E3B085C9AB24}">
+                <p16:designElem xmlns:p16="http://schemas.microsoft.com/office/powerpoint/2015/main" val="1"/>
+              </p:ext>
+            </p:extLst>
+          </p:nvPr>
+        </p:nvSpPr>
+        <p:spPr>
+          <a:xfrm>
+            <a:off x="7307082" y="0"/>
+            <a:ext cx="4884918" cy="6858000"/>
+          </a:xfrm>
+          <a:custGeom>
+            <a:avLst/>
+            <a:gdLst>
+              <a:gd name="connsiteX0" fmla="*/ 1097203 w 4884918"/>
+              <a:gd name="connsiteY0" fmla="*/ 0 h 6858000"/>
+              <a:gd name="connsiteX1" fmla="*/ 1154155 w 4884918"/>
+              <a:gd name="connsiteY1" fmla="*/ 0 h 6858000"/>
+              <a:gd name="connsiteX2" fmla="*/ 972305 w 4884918"/>
+              <a:gd name="connsiteY2" fmla="*/ 343212 h 6858000"/>
+              <a:gd name="connsiteX3" fmla="*/ 780524 w 4884918"/>
+              <a:gd name="connsiteY3" fmla="*/ 761067 h 6858000"/>
+              <a:gd name="connsiteX4" fmla="*/ 737045 w 4884918"/>
+              <a:gd name="connsiteY4" fmla="*/ 865164 h 6858000"/>
+              <a:gd name="connsiteX5" fmla="*/ 762322 w 4884918"/>
+              <a:gd name="connsiteY5" fmla="*/ 830676 h 6858000"/>
+              <a:gd name="connsiteX6" fmla="*/ 1118805 w 4884918"/>
+              <a:gd name="connsiteY6" fmla="*/ 160440 h 6858000"/>
+              <a:gd name="connsiteX7" fmla="*/ 1221640 w 4884918"/>
+              <a:gd name="connsiteY7" fmla="*/ 0 h 6858000"/>
+              <a:gd name="connsiteX8" fmla="*/ 4884918 w 4884918"/>
+              <a:gd name="connsiteY8" fmla="*/ 0 h 6858000"/>
+              <a:gd name="connsiteX9" fmla="*/ 4884918 w 4884918"/>
+              <a:gd name="connsiteY9" fmla="*/ 6857999 h 6858000"/>
+              <a:gd name="connsiteX10" fmla="*/ 4884918 w 4884918"/>
+              <a:gd name="connsiteY10" fmla="*/ 6858000 h 6858000"/>
+              <a:gd name="connsiteX11" fmla="*/ 704817 w 4884918"/>
+              <a:gd name="connsiteY11" fmla="*/ 6858000 h 6858000"/>
+              <a:gd name="connsiteX12" fmla="*/ 618717 w 4884918"/>
+              <a:gd name="connsiteY12" fmla="*/ 6672538 h 6858000"/>
+              <a:gd name="connsiteX13" fmla="*/ 309324 w 4884918"/>
+              <a:gd name="connsiteY13" fmla="*/ 5833618 h 6858000"/>
+              <a:gd name="connsiteX14" fmla="*/ 209850 w 4884918"/>
+              <a:gd name="connsiteY14" fmla="*/ 5484180 h 6858000"/>
+              <a:gd name="connsiteX15" fmla="*/ 211619 w 4884918"/>
+              <a:gd name="connsiteY15" fmla="*/ 5517653 h 6858000"/>
+              <a:gd name="connsiteX16" fmla="*/ 361778 w 4884918"/>
+              <a:gd name="connsiteY16" fmla="*/ 6145524 h 6858000"/>
+              <a:gd name="connsiteX17" fmla="*/ 591356 w 4884918"/>
+              <a:gd name="connsiteY17" fmla="*/ 6843306 h 6858000"/>
+              <a:gd name="connsiteX18" fmla="*/ 597415 w 4884918"/>
+              <a:gd name="connsiteY18" fmla="*/ 6858000 h 6858000"/>
+              <a:gd name="connsiteX19" fmla="*/ 545224 w 4884918"/>
+              <a:gd name="connsiteY19" fmla="*/ 6858000 h 6858000"/>
+              <a:gd name="connsiteX20" fmla="*/ 533604 w 4884918"/>
+              <a:gd name="connsiteY20" fmla="*/ 6830072 h 6858000"/>
+              <a:gd name="connsiteX21" fmla="*/ 169657 w 4884918"/>
+              <a:gd name="connsiteY21" fmla="*/ 5556577 h 6858000"/>
+              <a:gd name="connsiteX22" fmla="*/ 12169 w 4884918"/>
+              <a:gd name="connsiteY22" fmla="*/ 4362835 h 6858000"/>
+              <a:gd name="connsiteX23" fmla="*/ 46168 w 4884918"/>
+              <a:gd name="connsiteY23" fmla="*/ 3338487 h 6858000"/>
+              <a:gd name="connsiteX24" fmla="*/ 490574 w 4884918"/>
+              <a:gd name="connsiteY24" fmla="*/ 1381078 h 6858000"/>
+              <a:gd name="connsiteX25" fmla="*/ 984701 w 4884918"/>
+              <a:gd name="connsiteY25" fmla="*/ 208241 h 6858000"/>
+            </a:gdLst>
+            <a:ahLst/>
+            <a:cxnLst>
+              <a:cxn ang="0">
+                <a:pos x="connsiteX0" y="connsiteY0"/>
+              </a:cxn>
+              <a:cxn ang="0">
+                <a:pos x="connsiteX1" y="connsiteY1"/>
+              </a:cxn>
+              <a:cxn ang="0">
+                <a:pos x="connsiteX2" y="connsiteY2"/>
+              </a:cxn>
+              <a:cxn ang="0">
+                <a:pos x="connsiteX3" y="connsiteY3"/>
+              </a:cxn>
+              <a:cxn ang="0">
+                <a:pos x="connsiteX4" y="connsiteY4"/>
+              </a:cxn>
+              <a:cxn ang="0">
+                <a:pos x="connsiteX5" y="connsiteY5"/>
+              </a:cxn>
+              <a:cxn ang="0">
+                <a:pos x="connsiteX6" y="connsiteY6"/>
+              </a:cxn>
+              <a:cxn ang="0">
+                <a:pos x="connsiteX7" y="connsiteY7"/>
+              </a:cxn>
+              <a:cxn ang="0">
+                <a:pos x="connsiteX8" y="connsiteY8"/>
+              </a:cxn>
+              <a:cxn ang="0">
+                <a:pos x="connsiteX9" y="connsiteY9"/>
+              </a:cxn>
+              <a:cxn ang="0">
+                <a:pos x="connsiteX10" y="connsiteY10"/>
+              </a:cxn>
+              <a:cxn ang="0">
+                <a:pos x="connsiteX11" y="connsiteY11"/>
+              </a:cxn>
+              <a:cxn ang="0">
+                <a:pos x="connsiteX12" y="connsiteY12"/>
+              </a:cxn>
+              <a:cxn ang="0">
+                <a:pos x="connsiteX13" y="connsiteY13"/>
+              </a:cxn>
+              <a:cxn ang="0">
+                <a:pos x="connsiteX14" y="connsiteY14"/>
+              </a:cxn>
+              <a:cxn ang="0">
+                <a:pos x="connsiteX15" y="connsiteY15"/>
+              </a:cxn>
+              <a:cxn ang="0">
+                <a:pos x="connsiteX16" y="connsiteY16"/>
+              </a:cxn>
+              <a:cxn ang="0">
+                <a:pos x="connsiteX17" y="connsiteY17"/>
+              </a:cxn>
+              <a:cxn ang="0">
+                <a:pos x="connsiteX18" y="connsiteY18"/>
+              </a:cxn>
+              <a:cxn ang="0">
+                <a:pos x="connsiteX19" y="connsiteY19"/>
+              </a:cxn>
+              <a:cxn ang="0">
+                <a:pos x="connsiteX20" y="connsiteY20"/>
+              </a:cxn>
+              <a:cxn ang="0">
+                <a:pos x="connsiteX21" y="connsiteY21"/>
+              </a:cxn>
+              <a:cxn ang="0">
+                <a:pos x="connsiteX22" y="connsiteY22"/>
+              </a:cxn>
+              <a:cxn ang="0">
+                <a:pos x="connsiteX23" y="connsiteY23"/>
+              </a:cxn>
+              <a:cxn ang="0">
+                <a:pos x="connsiteX24" y="connsiteY24"/>
+              </a:cxn>
+              <a:cxn ang="0">
+                <a:pos x="connsiteX25" y="connsiteY25"/>
+              </a:cxn>
+            </a:cxnLst>
+            <a:rect l="l" t="t" r="r" b="b"/>
+            <a:pathLst>
+              <a:path w="4884918" h="6858000">
+                <a:moveTo>
+                  <a:pt x="1097203" y="0"/>
+                </a:moveTo>
+                <a:lnTo>
+                  <a:pt x="1154155" y="0"/>
+                </a:lnTo>
+                <a:lnTo>
+                  <a:pt x="972305" y="343212"/>
+                </a:lnTo>
+                <a:cubicBezTo>
+                  <a:pt x="904739" y="480367"/>
+                  <a:pt x="840941" y="619727"/>
+                  <a:pt x="780524" y="761067"/>
+                </a:cubicBezTo>
+                <a:cubicBezTo>
+                  <a:pt x="765737" y="795681"/>
+                  <a:pt x="751579" y="830550"/>
+                  <a:pt x="737045" y="865164"/>
+                </a:cubicBezTo>
+                <a:cubicBezTo>
+                  <a:pt x="748306" y="856057"/>
+                  <a:pt x="757014" y="844174"/>
+                  <a:pt x="762322" y="830676"/>
+                </a:cubicBezTo>
+                <a:cubicBezTo>
+                  <a:pt x="870201" y="600612"/>
+                  <a:pt x="988539" y="376889"/>
+                  <a:pt x="1118805" y="160440"/>
+                </a:cubicBezTo>
+                <a:lnTo>
+                  <a:pt x="1221640" y="0"/>
+                </a:lnTo>
+                <a:lnTo>
+                  <a:pt x="4884918" y="0"/>
+                </a:lnTo>
+                <a:lnTo>
+                  <a:pt x="4884918" y="6857999"/>
+                </a:lnTo>
+                <a:lnTo>
+                  <a:pt x="4884918" y="6858000"/>
+                </a:lnTo>
+                <a:lnTo>
+                  <a:pt x="704817" y="6858000"/>
+                </a:lnTo>
+                <a:lnTo>
+                  <a:pt x="618717" y="6672538"/>
+                </a:lnTo>
+                <a:cubicBezTo>
+                  <a:pt x="501618" y="6400947"/>
+                  <a:pt x="398622" y="6121213"/>
+                  <a:pt x="309324" y="5833618"/>
+                </a:cubicBezTo>
+                <a:cubicBezTo>
+                  <a:pt x="275071" y="5723183"/>
+                  <a:pt x="246125" y="5611225"/>
+                  <a:pt x="209850" y="5484180"/>
+                </a:cubicBezTo>
+                <a:cubicBezTo>
+                  <a:pt x="209859" y="5495363"/>
+                  <a:pt x="210448" y="5506534"/>
+                  <a:pt x="211619" y="5517653"/>
+                </a:cubicBezTo>
+                <a:cubicBezTo>
+                  <a:pt x="261166" y="5727113"/>
+                  <a:pt x="303888" y="5938474"/>
+                  <a:pt x="361778" y="6145524"/>
+                </a:cubicBezTo>
+                <a:cubicBezTo>
+                  <a:pt x="428356" y="6383258"/>
+                  <a:pt x="504422" y="6616111"/>
+                  <a:pt x="591356" y="6843306"/>
+                </a:cubicBezTo>
+                <a:lnTo>
+                  <a:pt x="597415" y="6858000"/>
+                </a:lnTo>
+                <a:lnTo>
+                  <a:pt x="545224" y="6858000"/>
+                </a:lnTo>
+                <a:lnTo>
+                  <a:pt x="533604" y="6830072"/>
+                </a:lnTo>
+                <a:cubicBezTo>
+                  <a:pt x="376384" y="6416985"/>
+                  <a:pt x="257344" y="5991917"/>
+                  <a:pt x="169657" y="5556577"/>
+                </a:cubicBezTo>
+                <a:cubicBezTo>
+                  <a:pt x="90154" y="5162256"/>
+                  <a:pt x="43261" y="4763750"/>
+                  <a:pt x="12169" y="4362835"/>
+                </a:cubicBezTo>
+                <a:cubicBezTo>
+                  <a:pt x="-14122" y="4019865"/>
+                  <a:pt x="4458" y="3679429"/>
+                  <a:pt x="46168" y="3338487"/>
+                </a:cubicBezTo>
+                <a:cubicBezTo>
+                  <a:pt x="125796" y="2672248"/>
+                  <a:pt x="274744" y="2016203"/>
+                  <a:pt x="490574" y="1381078"/>
+                </a:cubicBezTo>
+                <a:cubicBezTo>
+                  <a:pt x="629230" y="976550"/>
+                  <a:pt x="791584" y="584320"/>
+                  <a:pt x="984701" y="208241"/>
+                </a:cubicBezTo>
+                <a:close/>
+              </a:path>
+            </a:pathLst>
+          </a:custGeom>
+          <a:solidFill>
+            <a:schemeClr val="accent2"/>
+          </a:solidFill>
+          <a:ln w="6857" cap="flat">
+            <a:noFill/>
+            <a:prstDash val="solid"/>
+            <a:miter/>
+          </a:ln>
+        </p:spPr>
+        <p:txBody>
+          <a:bodyPr wrap="square" rtlCol="0" anchor="ctr">
+            <a:noAutofit/>
+          </a:bodyPr>
+          <a:lstStyle/>
+          <a:p>
+            <a:endParaRPr lang="en-US"/>
+          </a:p>
+        </p:txBody>
+      </p:sp>
+      <p:sp>
+        <p:nvSpPr>
+          <p:cNvPr id="5" name="Подзаголовок 4">
+            <a:extLst>
+              <a:ext uri="{FF2B5EF4-FFF2-40B4-BE49-F238E27FC236}">
+                <a16:creationId xmlns:a16="http://schemas.microsoft.com/office/drawing/2014/main" id="{E786E2AE-F724-4323-82F0-2BFCB6BD42CB}"/>
+              </a:ext>
+            </a:extLst>
+          </p:cNvPr>
+          <p:cNvSpPr>
+            <a:spLocks noGrp="1"/>
+          </p:cNvSpPr>
+          <p:nvPr>
+            <p:ph type="subTitle" idx="1"/>
+          </p:nvPr>
+        </p:nvSpPr>
+        <p:spPr>
+          <a:xfrm>
+            <a:off x="8129872" y="1122363"/>
+            <a:ext cx="3223928" cy="3980314"/>
+          </a:xfrm>
+        </p:spPr>
+        <p:txBody>
+          <a:bodyPr anchor="b">
+            <a:normAutofit/>
+          </a:bodyPr>
+          <a:lstStyle/>
+          <a:p>
+            <a:pPr algn="l"/>
+            <a:r>
+              <a:rPr lang="ru-RU" altLang="ru-RU" sz="2000">
+                <a:solidFill>
+                  <a:srgbClr val="FFFFFF"/>
+                </a:solidFill>
+              </a:rPr>
+              <a:t>Cuctus Run 2D игра жанра экшен. Играем мы за кактуса в горшёчке, который передвигаясь прыжками должен пройти как можно дальше </a:t>
+            </a:r>
+            <a:br>
+              <a:rPr lang="ru-RU" altLang="ru-RU" sz="2000">
+                <a:solidFill>
+                  <a:srgbClr val="FFFFFF"/>
+                </a:solidFill>
+              </a:rPr>
+            </a:br>
+            <a:r>
+              <a:rPr lang="ru-RU" altLang="ru-RU" sz="2000">
+                <a:solidFill>
+                  <a:srgbClr val="FFFFFF"/>
+                </a:solidFill>
+              </a:rPr>
+              <a:t>и не поспасть в зубы динозавра. Для этого потребуется некая снаровка и хорошо развитая реакция.</a:t>
+            </a:r>
+            <a:br>
+              <a:rPr lang="ru-RU" altLang="ru-RU" sz="2000">
+                <a:solidFill>
+                  <a:srgbClr val="FFFFFF"/>
+                </a:solidFill>
+              </a:rPr>
+            </a:br>
+            <a:endParaRPr lang="ru-RU" sz="2000">
+              <a:solidFill>
+                <a:srgbClr val="FFFFFF"/>
+              </a:solidFill>
+            </a:endParaRPr>
+          </a:p>
+        </p:txBody>
+      </p:sp>
+      <p:sp>
+        <p:nvSpPr>
+          <p:cNvPr id="14" name="sketch line">
+            <a:extLst>
+              <a:ext uri="{FF2B5EF4-FFF2-40B4-BE49-F238E27FC236}">
+                <a16:creationId xmlns:a16="http://schemas.microsoft.com/office/drawing/2014/main" id="{63DAB858-5A0C-4AFF-AAC6-705EDF8DB733}"/>
+              </a:ext>
+              <a:ext uri="{C183D7F6-B498-43B3-948B-1728B52AA6E4}">
+                <adec:decorative xmlns:adec="http://schemas.microsoft.com/office/drawing/2017/decorative" val="1"/>
+              </a:ext>
+            </a:extLst>
+          </p:cNvPr>
+          <p:cNvSpPr>
+            <a:spLocks noGrp="1" noRot="1" noChangeAspect="1" noMove="1" noResize="1" noEditPoints="1" noAdjustHandles="1" noChangeArrowheads="1" noChangeShapeType="1" noTextEdit="1"/>
+          </p:cNvSpPr>
+          <p:nvPr>
+            <p:extLst>
+              <p:ext uri="{386F3935-93C4-4BCD-93E2-E3B085C9AB24}">
+                <p16:designElem xmlns:p16="http://schemas.microsoft.com/office/powerpoint/2015/main" val="1"/>
+              </p:ext>
+            </p:extLst>
+          </p:nvPr>
+        </p:nvSpPr>
+        <p:spPr>
+          <a:xfrm>
+            <a:off x="650180" y="5439978"/>
+            <a:ext cx="5897880" cy="18288"/>
+          </a:xfrm>
+          <a:custGeom>
+            <a:avLst/>
+            <a:gdLst>
+              <a:gd name="connsiteX0" fmla="*/ 0 w 5897880"/>
+              <a:gd name="connsiteY0" fmla="*/ 0 h 18288"/>
+              <a:gd name="connsiteX1" fmla="*/ 537362 w 5897880"/>
+              <a:gd name="connsiteY1" fmla="*/ 0 h 18288"/>
+              <a:gd name="connsiteX2" fmla="*/ 1133704 w 5897880"/>
+              <a:gd name="connsiteY2" fmla="*/ 0 h 18288"/>
+              <a:gd name="connsiteX3" fmla="*/ 1671066 w 5897880"/>
+              <a:gd name="connsiteY3" fmla="*/ 0 h 18288"/>
+              <a:gd name="connsiteX4" fmla="*/ 2385365 w 5897880"/>
+              <a:gd name="connsiteY4" fmla="*/ 0 h 18288"/>
+              <a:gd name="connsiteX5" fmla="*/ 3040685 w 5897880"/>
+              <a:gd name="connsiteY5" fmla="*/ 0 h 18288"/>
+              <a:gd name="connsiteX6" fmla="*/ 3696005 w 5897880"/>
+              <a:gd name="connsiteY6" fmla="*/ 0 h 18288"/>
+              <a:gd name="connsiteX7" fmla="*/ 4469282 w 5897880"/>
+              <a:gd name="connsiteY7" fmla="*/ 0 h 18288"/>
+              <a:gd name="connsiteX8" fmla="*/ 5183581 w 5897880"/>
+              <a:gd name="connsiteY8" fmla="*/ 0 h 18288"/>
+              <a:gd name="connsiteX9" fmla="*/ 5897880 w 5897880"/>
+              <a:gd name="connsiteY9" fmla="*/ 0 h 18288"/>
+              <a:gd name="connsiteX10" fmla="*/ 5897880 w 5897880"/>
+              <a:gd name="connsiteY10" fmla="*/ 18288 h 18288"/>
+              <a:gd name="connsiteX11" fmla="*/ 5419496 w 5897880"/>
+              <a:gd name="connsiteY11" fmla="*/ 18288 h 18288"/>
+              <a:gd name="connsiteX12" fmla="*/ 4882134 w 5897880"/>
+              <a:gd name="connsiteY12" fmla="*/ 18288 h 18288"/>
+              <a:gd name="connsiteX13" fmla="*/ 4167835 w 5897880"/>
+              <a:gd name="connsiteY13" fmla="*/ 18288 h 18288"/>
+              <a:gd name="connsiteX14" fmla="*/ 3394558 w 5897880"/>
+              <a:gd name="connsiteY14" fmla="*/ 18288 h 18288"/>
+              <a:gd name="connsiteX15" fmla="*/ 2798216 w 5897880"/>
+              <a:gd name="connsiteY15" fmla="*/ 18288 h 18288"/>
+              <a:gd name="connsiteX16" fmla="*/ 2024939 w 5897880"/>
+              <a:gd name="connsiteY16" fmla="*/ 18288 h 18288"/>
+              <a:gd name="connsiteX17" fmla="*/ 1487576 w 5897880"/>
+              <a:gd name="connsiteY17" fmla="*/ 18288 h 18288"/>
+              <a:gd name="connsiteX18" fmla="*/ 1009193 w 5897880"/>
+              <a:gd name="connsiteY18" fmla="*/ 18288 h 18288"/>
+              <a:gd name="connsiteX19" fmla="*/ 0 w 5897880"/>
+              <a:gd name="connsiteY19" fmla="*/ 18288 h 18288"/>
+              <a:gd name="connsiteX20" fmla="*/ 0 w 5897880"/>
+              <a:gd name="connsiteY20" fmla="*/ 0 h 18288"/>
+            </a:gdLst>
+            <a:ahLst/>
+            <a:cxnLst>
+              <a:cxn ang="0">
+                <a:pos x="connsiteX0" y="connsiteY0"/>
+              </a:cxn>
+              <a:cxn ang="0">
+                <a:pos x="connsiteX1" y="connsiteY1"/>
+              </a:cxn>
+              <a:cxn ang="0">
+                <a:pos x="connsiteX2" y="connsiteY2"/>
+              </a:cxn>
+              <a:cxn ang="0">
+                <a:pos x="connsiteX3" y="connsiteY3"/>
+              </a:cxn>
+              <a:cxn ang="0">
+                <a:pos x="connsiteX4" y="connsiteY4"/>
+              </a:cxn>
+              <a:cxn ang="0">
+                <a:pos x="connsiteX5" y="connsiteY5"/>
+              </a:cxn>
+              <a:cxn ang="0">
+                <a:pos x="connsiteX6" y="connsiteY6"/>
+              </a:cxn>
+              <a:cxn ang="0">
+                <a:pos x="connsiteX7" y="connsiteY7"/>
+              </a:cxn>
+              <a:cxn ang="0">
+                <a:pos x="connsiteX8" y="connsiteY8"/>
+              </a:cxn>
+              <a:cxn ang="0">
+                <a:pos x="connsiteX9" y="connsiteY9"/>
+              </a:cxn>
+              <a:cxn ang="0">
+                <a:pos x="connsiteX10" y="connsiteY10"/>
+              </a:cxn>
+              <a:cxn ang="0">
+                <a:pos x="connsiteX11" y="connsiteY11"/>
+              </a:cxn>
+              <a:cxn ang="0">
+                <a:pos x="connsiteX12" y="connsiteY12"/>
+              </a:cxn>
+              <a:cxn ang="0">
+                <a:pos x="connsiteX13" y="connsiteY13"/>
+              </a:cxn>
+              <a:cxn ang="0">
+                <a:pos x="connsiteX14" y="connsiteY14"/>
+              </a:cxn>
+              <a:cxn ang="0">
+                <a:pos x="connsiteX15" y="connsiteY15"/>
+              </a:cxn>
+              <a:cxn ang="0">
+                <a:pos x="connsiteX16" y="connsiteY16"/>
+              </a:cxn>
+              <a:cxn ang="0">
+                <a:pos x="connsiteX17" y="connsiteY17"/>
+              </a:cxn>
+              <a:cxn ang="0">
+                <a:pos x="connsiteX18" y="connsiteY18"/>
+              </a:cxn>
+              <a:cxn ang="0">
+                <a:pos x="connsiteX19" y="connsiteY19"/>
+              </a:cxn>
+              <a:cxn ang="0">
+                <a:pos x="connsiteX20" y="connsiteY20"/>
+              </a:cxn>
+            </a:cxnLst>
+            <a:rect l="l" t="t" r="r" b="b"/>
+            <a:pathLst>
+              <a:path w="5897880" h="18288" fill="none" extrusionOk="0">
+                <a:moveTo>
+                  <a:pt x="0" y="0"/>
+                </a:moveTo>
+                <a:cubicBezTo>
+                  <a:pt x="232564" y="21549"/>
+                  <a:pt x="389747" y="7320"/>
+                  <a:pt x="537362" y="0"/>
+                </a:cubicBezTo>
+                <a:cubicBezTo>
+                  <a:pt x="684977" y="-7320"/>
+                  <a:pt x="894159" y="-7726"/>
+                  <a:pt x="1133704" y="0"/>
+                </a:cubicBezTo>
+                <a:cubicBezTo>
+                  <a:pt x="1373249" y="7726"/>
+                  <a:pt x="1440352" y="-304"/>
+                  <a:pt x="1671066" y="0"/>
+                </a:cubicBezTo>
+                <a:cubicBezTo>
+                  <a:pt x="1901780" y="304"/>
+                  <a:pt x="2091497" y="765"/>
+                  <a:pt x="2385365" y="0"/>
+                </a:cubicBezTo>
+                <a:cubicBezTo>
+                  <a:pt x="2679233" y="-765"/>
+                  <a:pt x="2762926" y="2802"/>
+                  <a:pt x="3040685" y="0"/>
+                </a:cubicBezTo>
+                <a:cubicBezTo>
+                  <a:pt x="3318444" y="-2802"/>
+                  <a:pt x="3409726" y="9093"/>
+                  <a:pt x="3696005" y="0"/>
+                </a:cubicBezTo>
+                <a:cubicBezTo>
+                  <a:pt x="3982284" y="-9093"/>
+                  <a:pt x="4087272" y="27119"/>
+                  <a:pt x="4469282" y="0"/>
+                </a:cubicBezTo>
+                <a:cubicBezTo>
+                  <a:pt x="4851292" y="-27119"/>
+                  <a:pt x="4924835" y="26473"/>
+                  <a:pt x="5183581" y="0"/>
+                </a:cubicBezTo>
+                <a:cubicBezTo>
+                  <a:pt x="5442327" y="-26473"/>
+                  <a:pt x="5598463" y="7328"/>
+                  <a:pt x="5897880" y="0"/>
+                </a:cubicBezTo>
+                <a:cubicBezTo>
+                  <a:pt x="5898259" y="7355"/>
+                  <a:pt x="5898164" y="10249"/>
+                  <a:pt x="5897880" y="18288"/>
+                </a:cubicBezTo>
+                <a:cubicBezTo>
+                  <a:pt x="5682742" y="31268"/>
+                  <a:pt x="5520014" y="14700"/>
+                  <a:pt x="5419496" y="18288"/>
+                </a:cubicBezTo>
+                <a:cubicBezTo>
+                  <a:pt x="5318978" y="21876"/>
+                  <a:pt x="5012864" y="-2446"/>
+                  <a:pt x="4882134" y="18288"/>
+                </a:cubicBezTo>
+                <a:cubicBezTo>
+                  <a:pt x="4751404" y="39022"/>
+                  <a:pt x="4313676" y="-3937"/>
+                  <a:pt x="4167835" y="18288"/>
+                </a:cubicBezTo>
+                <a:cubicBezTo>
+                  <a:pt x="4021994" y="40513"/>
+                  <a:pt x="3715729" y="50049"/>
+                  <a:pt x="3394558" y="18288"/>
+                </a:cubicBezTo>
+                <a:cubicBezTo>
+                  <a:pt x="3073387" y="-13473"/>
+                  <a:pt x="3093227" y="29828"/>
+                  <a:pt x="2798216" y="18288"/>
+                </a:cubicBezTo>
+                <a:cubicBezTo>
+                  <a:pt x="2503205" y="6748"/>
+                  <a:pt x="2297615" y="22459"/>
+                  <a:pt x="2024939" y="18288"/>
+                </a:cubicBezTo>
+                <a:cubicBezTo>
+                  <a:pt x="1752263" y="14117"/>
+                  <a:pt x="1629814" y="-5485"/>
+                  <a:pt x="1487576" y="18288"/>
+                </a:cubicBezTo>
+                <a:cubicBezTo>
+                  <a:pt x="1345338" y="42061"/>
+                  <a:pt x="1238885" y="15810"/>
+                  <a:pt x="1009193" y="18288"/>
+                </a:cubicBezTo>
+                <a:cubicBezTo>
+                  <a:pt x="779501" y="20766"/>
+                  <a:pt x="441829" y="-24679"/>
+                  <a:pt x="0" y="18288"/>
+                </a:cubicBezTo>
+                <a:cubicBezTo>
+                  <a:pt x="-384" y="12702"/>
+                  <a:pt x="-513" y="4636"/>
+                  <a:pt x="0" y="0"/>
+                </a:cubicBezTo>
+                <a:close/>
+              </a:path>
+              <a:path w="5897880" h="18288" stroke="0" extrusionOk="0">
+                <a:moveTo>
+                  <a:pt x="0" y="0"/>
+                </a:moveTo>
+                <a:cubicBezTo>
+                  <a:pt x="196299" y="-26676"/>
+                  <a:pt x="463834" y="6738"/>
+                  <a:pt x="596341" y="0"/>
+                </a:cubicBezTo>
+                <a:cubicBezTo>
+                  <a:pt x="728848" y="-6738"/>
+                  <a:pt x="857267" y="1845"/>
+                  <a:pt x="1074725" y="0"/>
+                </a:cubicBezTo>
+                <a:cubicBezTo>
+                  <a:pt x="1292183" y="-1845"/>
+                  <a:pt x="1545672" y="3744"/>
+                  <a:pt x="1848002" y="0"/>
+                </a:cubicBezTo>
+                <a:cubicBezTo>
+                  <a:pt x="2150332" y="-3744"/>
+                  <a:pt x="2306688" y="-14526"/>
+                  <a:pt x="2444344" y="0"/>
+                </a:cubicBezTo>
+                <a:cubicBezTo>
+                  <a:pt x="2582000" y="14526"/>
+                  <a:pt x="2761095" y="-11862"/>
+                  <a:pt x="3040685" y="0"/>
+                </a:cubicBezTo>
+                <a:cubicBezTo>
+                  <a:pt x="3320275" y="11862"/>
+                  <a:pt x="3622320" y="-32867"/>
+                  <a:pt x="3813962" y="0"/>
+                </a:cubicBezTo>
+                <a:cubicBezTo>
+                  <a:pt x="4005604" y="32867"/>
+                  <a:pt x="4117810" y="-10778"/>
+                  <a:pt x="4351325" y="0"/>
+                </a:cubicBezTo>
+                <a:cubicBezTo>
+                  <a:pt x="4584840" y="10778"/>
+                  <a:pt x="4963783" y="-32384"/>
+                  <a:pt x="5124602" y="0"/>
+                </a:cubicBezTo>
+                <a:cubicBezTo>
+                  <a:pt x="5285421" y="32384"/>
+                  <a:pt x="5705238" y="-29538"/>
+                  <a:pt x="5897880" y="0"/>
+                </a:cubicBezTo>
+                <a:cubicBezTo>
+                  <a:pt x="5898220" y="5688"/>
+                  <a:pt x="5897711" y="13142"/>
+                  <a:pt x="5897880" y="18288"/>
+                </a:cubicBezTo>
+                <a:cubicBezTo>
+                  <a:pt x="5630425" y="-1425"/>
+                  <a:pt x="5532865" y="12244"/>
+                  <a:pt x="5242560" y="18288"/>
+                </a:cubicBezTo>
+                <a:cubicBezTo>
+                  <a:pt x="4952255" y="24332"/>
+                  <a:pt x="4783060" y="5748"/>
+                  <a:pt x="4646219" y="18288"/>
+                </a:cubicBezTo>
+                <a:cubicBezTo>
+                  <a:pt x="4509378" y="30828"/>
+                  <a:pt x="4163771" y="-13995"/>
+                  <a:pt x="3872941" y="18288"/>
+                </a:cubicBezTo>
+                <a:cubicBezTo>
+                  <a:pt x="3582111" y="50571"/>
+                  <a:pt x="3362704" y="-1402"/>
+                  <a:pt x="3099664" y="18288"/>
+                </a:cubicBezTo>
+                <a:cubicBezTo>
+                  <a:pt x="2836624" y="37978"/>
+                  <a:pt x="2747441" y="19657"/>
+                  <a:pt x="2562301" y="18288"/>
+                </a:cubicBezTo>
+                <a:cubicBezTo>
+                  <a:pt x="2377161" y="16919"/>
+                  <a:pt x="2104946" y="21735"/>
+                  <a:pt x="1906981" y="18288"/>
+                </a:cubicBezTo>
+                <a:cubicBezTo>
+                  <a:pt x="1709016" y="14841"/>
+                  <a:pt x="1304654" y="-2323"/>
+                  <a:pt x="1133704" y="18288"/>
+                </a:cubicBezTo>
+                <a:cubicBezTo>
+                  <a:pt x="962754" y="38899"/>
+                  <a:pt x="457048" y="2985"/>
+                  <a:pt x="0" y="18288"/>
+                </a:cubicBezTo>
+                <a:cubicBezTo>
+                  <a:pt x="-478" y="10520"/>
+                  <a:pt x="210" y="5044"/>
+                  <a:pt x="0" y="0"/>
+                </a:cubicBezTo>
+                <a:close/>
+              </a:path>
+            </a:pathLst>
+          </a:custGeom>
+          <a:solidFill>
+            <a:schemeClr val="accent2"/>
+          </a:solidFill>
+          <a:ln w="41275" cap="rnd">
+            <a:solidFill>
+              <a:schemeClr val="accent2"/>
+            </a:solidFill>
+            <a:round/>
+            <a:extLst>
+              <a:ext uri="{C807C97D-BFC1-408E-A445-0C87EB9F89A2}">
+                <ask:lineSketchStyleProps xmlns:ask="http://schemas.microsoft.com/office/drawing/2018/sketchyshapes" sd="1219033472">
+                  <a:prstGeom prst="rect">
+                    <a:avLst/>
+                  </a:prstGeom>
+                  <ask:type>
+                    <ask:lineSketchFreehand/>
+                  </ask:type>
+                </ask:lineSketchStyleProps>
+              </a:ext>
+            </a:extLst>
+          </a:ln>
+        </p:spPr>
+        <p:style>
+          <a:lnRef idx="2">
+            <a:schemeClr val="accent1">
+              <a:shade val="50000"/>
+            </a:schemeClr>
+          </a:lnRef>
+          <a:fillRef idx="1">
+            <a:schemeClr val="accent1"/>
+          </a:fillRef>
+          <a:effectRef idx="0">
+            <a:schemeClr val="accent1"/>
+          </a:effectRef>
+          <a:fontRef idx="minor">
+            <a:schemeClr val="lt1"/>
+          </a:fontRef>
+        </p:style>
+        <p:txBody>
+          <a:bodyPr rtlCol="0" anchor="ctr"/>
+          <a:lstStyle/>
+          <a:p>
+            <a:pPr algn="ctr"/>
+            <a:endParaRPr lang="en-US"/>
+          </a:p>
+        </p:txBody>
+      </p:sp>
+      <p:sp>
+        <p:nvSpPr>
+          <p:cNvPr id="16" name="sketch line 2">
+            <a:extLst>
+              <a:ext uri="{FF2B5EF4-FFF2-40B4-BE49-F238E27FC236}">
+                <a16:creationId xmlns:a16="http://schemas.microsoft.com/office/drawing/2014/main" id="{8FFD9892-EDE5-4886-A313-66099DA8C8F1}"/>
+              </a:ext>
+              <a:ext uri="{C183D7F6-B498-43B3-948B-1728B52AA6E4}">
+                <adec:decorative xmlns:adec="http://schemas.microsoft.com/office/drawing/2017/decorative" val="1"/>
+              </a:ext>
+            </a:extLst>
+          </p:cNvPr>
+          <p:cNvSpPr>
+            <a:spLocks noGrp="1" noRot="1" noChangeAspect="1" noMove="1" noResize="1" noEditPoints="1" noAdjustHandles="1" noChangeArrowheads="1" noChangeShapeType="1" noTextEdit="1"/>
+          </p:cNvSpPr>
+          <p:nvPr>
+            <p:extLst>
+              <p:ext uri="{386F3935-93C4-4BCD-93E2-E3B085C9AB24}">
+                <p16:designElem xmlns:p16="http://schemas.microsoft.com/office/powerpoint/2015/main" val="1"/>
+              </p:ext>
+            </p:extLst>
+          </p:nvPr>
+        </p:nvSpPr>
+        <p:spPr>
+          <a:xfrm>
+            <a:off x="7850653" y="5626353"/>
+            <a:ext cx="3479619" cy="18288"/>
+          </a:xfrm>
+          <a:custGeom>
+            <a:avLst/>
+            <a:gdLst>
+              <a:gd name="connsiteX0" fmla="*/ 0 w 3479619"/>
+              <a:gd name="connsiteY0" fmla="*/ 0 h 18288"/>
+              <a:gd name="connsiteX1" fmla="*/ 661128 w 3479619"/>
+              <a:gd name="connsiteY1" fmla="*/ 0 h 18288"/>
+              <a:gd name="connsiteX2" fmla="*/ 1357051 w 3479619"/>
+              <a:gd name="connsiteY2" fmla="*/ 0 h 18288"/>
+              <a:gd name="connsiteX3" fmla="*/ 2087771 w 3479619"/>
+              <a:gd name="connsiteY3" fmla="*/ 0 h 18288"/>
+              <a:gd name="connsiteX4" fmla="*/ 2818491 w 3479619"/>
+              <a:gd name="connsiteY4" fmla="*/ 0 h 18288"/>
+              <a:gd name="connsiteX5" fmla="*/ 3479619 w 3479619"/>
+              <a:gd name="connsiteY5" fmla="*/ 0 h 18288"/>
+              <a:gd name="connsiteX6" fmla="*/ 3479619 w 3479619"/>
+              <a:gd name="connsiteY6" fmla="*/ 18288 h 18288"/>
+              <a:gd name="connsiteX7" fmla="*/ 2714103 w 3479619"/>
+              <a:gd name="connsiteY7" fmla="*/ 18288 h 18288"/>
+              <a:gd name="connsiteX8" fmla="*/ 1948587 w 3479619"/>
+              <a:gd name="connsiteY8" fmla="*/ 18288 h 18288"/>
+              <a:gd name="connsiteX9" fmla="*/ 1252663 w 3479619"/>
+              <a:gd name="connsiteY9" fmla="*/ 18288 h 18288"/>
+              <a:gd name="connsiteX10" fmla="*/ 0 w 3479619"/>
+              <a:gd name="connsiteY10" fmla="*/ 18288 h 18288"/>
+              <a:gd name="connsiteX11" fmla="*/ 0 w 3479619"/>
+              <a:gd name="connsiteY11" fmla="*/ 0 h 18288"/>
+            </a:gdLst>
+            <a:ahLst/>
+            <a:cxnLst>
+              <a:cxn ang="0">
+                <a:pos x="connsiteX0" y="connsiteY0"/>
+              </a:cxn>
+              <a:cxn ang="0">
+                <a:pos x="connsiteX1" y="connsiteY1"/>
+              </a:cxn>
+              <a:cxn ang="0">
+                <a:pos x="connsiteX2" y="connsiteY2"/>
+              </a:cxn>
+              <a:cxn ang="0">
+                <a:pos x="connsiteX3" y="connsiteY3"/>
+              </a:cxn>
+              <a:cxn ang="0">
+                <a:pos x="connsiteX4" y="connsiteY4"/>
+              </a:cxn>
+              <a:cxn ang="0">
+                <a:pos x="connsiteX5" y="connsiteY5"/>
+              </a:cxn>
+              <a:cxn ang="0">
+                <a:pos x="connsiteX6" y="connsiteY6"/>
+              </a:cxn>
+              <a:cxn ang="0">
+                <a:pos x="connsiteX7" y="connsiteY7"/>
+              </a:cxn>
+              <a:cxn ang="0">
+                <a:pos x="connsiteX8" y="connsiteY8"/>
+              </a:cxn>
+              <a:cxn ang="0">
+                <a:pos x="connsiteX9" y="connsiteY9"/>
+              </a:cxn>
+              <a:cxn ang="0">
+                <a:pos x="connsiteX10" y="connsiteY10"/>
+              </a:cxn>
+              <a:cxn ang="0">
+                <a:pos x="connsiteX11" y="connsiteY11"/>
+              </a:cxn>
+            </a:cxnLst>
+            <a:rect l="l" t="t" r="r" b="b"/>
+            <a:pathLst>
+              <a:path w="3479619" h="18288" fill="none" extrusionOk="0">
+                <a:moveTo>
+                  <a:pt x="0" y="0"/>
+                </a:moveTo>
+                <a:cubicBezTo>
+                  <a:pt x="178395" y="-3637"/>
+                  <a:pt x="368619" y="-28254"/>
+                  <a:pt x="661128" y="0"/>
+                </a:cubicBezTo>
+                <a:cubicBezTo>
+                  <a:pt x="953637" y="28254"/>
+                  <a:pt x="1022982" y="-4416"/>
+                  <a:pt x="1357051" y="0"/>
+                </a:cubicBezTo>
+                <a:cubicBezTo>
+                  <a:pt x="1691120" y="4416"/>
+                  <a:pt x="1729558" y="27777"/>
+                  <a:pt x="2087771" y="0"/>
+                </a:cubicBezTo>
+                <a:cubicBezTo>
+                  <a:pt x="2445984" y="-27777"/>
+                  <a:pt x="2592094" y="4429"/>
+                  <a:pt x="2818491" y="0"/>
+                </a:cubicBezTo>
+                <a:cubicBezTo>
+                  <a:pt x="3044888" y="-4429"/>
+                  <a:pt x="3204567" y="26471"/>
+                  <a:pt x="3479619" y="0"/>
+                </a:cubicBezTo>
+                <a:cubicBezTo>
+                  <a:pt x="3478910" y="8157"/>
+                  <a:pt x="3479206" y="12125"/>
+                  <a:pt x="3479619" y="18288"/>
+                </a:cubicBezTo>
+                <a:cubicBezTo>
+                  <a:pt x="3315855" y="-2963"/>
+                  <a:pt x="3094885" y="26965"/>
+                  <a:pt x="2714103" y="18288"/>
+                </a:cubicBezTo>
+                <a:cubicBezTo>
+                  <a:pt x="2333321" y="9611"/>
+                  <a:pt x="2260528" y="-15335"/>
+                  <a:pt x="1948587" y="18288"/>
+                </a:cubicBezTo>
+                <a:cubicBezTo>
+                  <a:pt x="1636646" y="51911"/>
+                  <a:pt x="1489816" y="46369"/>
+                  <a:pt x="1252663" y="18288"/>
+                </a:cubicBezTo>
+                <a:cubicBezTo>
+                  <a:pt x="1015510" y="-9793"/>
+                  <a:pt x="519812" y="-12177"/>
+                  <a:pt x="0" y="18288"/>
+                </a:cubicBezTo>
+                <a:cubicBezTo>
+                  <a:pt x="-46" y="12483"/>
+                  <a:pt x="-203" y="6491"/>
+                  <a:pt x="0" y="0"/>
+                </a:cubicBezTo>
+                <a:close/>
+              </a:path>
+              <a:path w="3479619" h="18288" stroke="0" extrusionOk="0">
+                <a:moveTo>
+                  <a:pt x="0" y="0"/>
+                </a:moveTo>
+                <a:cubicBezTo>
+                  <a:pt x="326045" y="25020"/>
+                  <a:pt x="425411" y="-17676"/>
+                  <a:pt x="661128" y="0"/>
+                </a:cubicBezTo>
+                <a:cubicBezTo>
+                  <a:pt x="896845" y="17676"/>
+                  <a:pt x="1124825" y="1478"/>
+                  <a:pt x="1252663" y="0"/>
+                </a:cubicBezTo>
+                <a:cubicBezTo>
+                  <a:pt x="1380502" y="-1478"/>
+                  <a:pt x="1694914" y="11788"/>
+                  <a:pt x="2018179" y="0"/>
+                </a:cubicBezTo>
+                <a:cubicBezTo>
+                  <a:pt x="2341444" y="-11788"/>
+                  <a:pt x="2451167" y="12596"/>
+                  <a:pt x="2679307" y="0"/>
+                </a:cubicBezTo>
+                <a:cubicBezTo>
+                  <a:pt x="2907447" y="-12596"/>
+                  <a:pt x="3094555" y="23821"/>
+                  <a:pt x="3479619" y="0"/>
+                </a:cubicBezTo>
+                <a:cubicBezTo>
+                  <a:pt x="3479355" y="4493"/>
+                  <a:pt x="3480003" y="9472"/>
+                  <a:pt x="3479619" y="18288"/>
+                </a:cubicBezTo>
+                <a:cubicBezTo>
+                  <a:pt x="3311729" y="36782"/>
+                  <a:pt x="3015946" y="7938"/>
+                  <a:pt x="2783695" y="18288"/>
+                </a:cubicBezTo>
+                <a:cubicBezTo>
+                  <a:pt x="2551444" y="28638"/>
+                  <a:pt x="2398767" y="-13940"/>
+                  <a:pt x="2018179" y="18288"/>
+                </a:cubicBezTo>
+                <a:cubicBezTo>
+                  <a:pt x="1637591" y="50516"/>
+                  <a:pt x="1634873" y="-6356"/>
+                  <a:pt x="1426644" y="18288"/>
+                </a:cubicBezTo>
+                <a:cubicBezTo>
+                  <a:pt x="1218415" y="42932"/>
+                  <a:pt x="1006973" y="4094"/>
+                  <a:pt x="730720" y="18288"/>
+                </a:cubicBezTo>
+                <a:cubicBezTo>
+                  <a:pt x="454467" y="32482"/>
+                  <a:pt x="291313" y="3910"/>
+                  <a:pt x="0" y="18288"/>
+                </a:cubicBezTo>
+                <a:cubicBezTo>
+                  <a:pt x="843" y="9577"/>
+                  <a:pt x="371" y="6900"/>
+                  <a:pt x="0" y="0"/>
+                </a:cubicBezTo>
+                <a:close/>
+              </a:path>
+            </a:pathLst>
+          </a:custGeom>
+          <a:solidFill>
+            <a:srgbClr val="FFFFFF"/>
+          </a:solidFill>
+          <a:ln w="41275" cap="rnd">
+            <a:solidFill>
+              <a:srgbClr val="FFFFFF"/>
+            </a:solidFill>
+            <a:round/>
+            <a:extLst>
+              <a:ext uri="{C807C97D-BFC1-408E-A445-0C87EB9F89A2}">
+                <ask:lineSketchStyleProps xmlns:ask="http://schemas.microsoft.com/office/drawing/2018/sketchyshapes" sd="1219033472">
+                  <a:prstGeom prst="rect">
+                    <a:avLst/>
+                  </a:prstGeom>
+                  <ask:type>
+                    <ask:lineSketchFreehand/>
+                  </ask:type>
+                </ask:lineSketchStyleProps>
+              </a:ext>
+            </a:extLst>
+          </a:ln>
+        </p:spPr>
+        <p:style>
+          <a:lnRef idx="2">
+            <a:schemeClr val="accent1">
+              <a:shade val="50000"/>
+            </a:schemeClr>
+          </a:lnRef>
+          <a:fillRef idx="1">
+            <a:schemeClr val="accent1"/>
+          </a:fillRef>
+          <a:effectRef idx="0">
+            <a:schemeClr val="accent1"/>
+          </a:effectRef>
+          <a:fontRef idx="minor">
+            <a:schemeClr val="lt1"/>
+          </a:fontRef>
+        </p:style>
+        <p:txBody>
+          <a:bodyPr rtlCol="0" anchor="ctr"/>
+          <a:lstStyle/>
+          <a:p>
+            <a:pPr algn="ctr"/>
+            <a:endParaRPr lang="en-US"/>
+          </a:p>
+        </p:txBody>
+      </p:sp>
+      <p:pic>
+        <p:nvPicPr>
+          <p:cNvPr id="8" name="Рисунок 7">
+            <a:extLst>
+              <a:ext uri="{FF2B5EF4-FFF2-40B4-BE49-F238E27FC236}">
+                <a16:creationId xmlns:a16="http://schemas.microsoft.com/office/drawing/2014/main" id="{57D17BDE-9F5B-4149-BDE5-00CA417EDB29}"/>
+              </a:ext>
+            </a:extLst>
+          </p:cNvPr>
+          <p:cNvPicPr>
+            <a:picLocks noChangeAspect="1"/>
+          </p:cNvPicPr>
+          <p:nvPr/>
+        </p:nvPicPr>
+        <p:blipFill>
+          <a:blip r:embed="rId2"/>
+          <a:stretch>
+            <a:fillRect/>
+          </a:stretch>
+        </p:blipFill>
+        <p:spPr>
+          <a:xfrm>
+            <a:off x="1098061" y="1122363"/>
+            <a:ext cx="2785024" cy="2456040"/>
+          </a:xfrm>
+          <a:prstGeom prst="rect">
+            <a:avLst/>
+          </a:prstGeom>
+        </p:spPr>
+      </p:pic>
+    </p:spTree>
+    <p:extLst>
+      <p:ext uri="{BB962C8B-B14F-4D97-AF65-F5344CB8AC3E}">
+        <p14:creationId xmlns:p14="http://schemas.microsoft.com/office/powerpoint/2010/main" val="371829116"/>
+      </p:ext>
+    </p:extLst>
+  </p:cSld>
+  <p:clrMapOvr>
+    <a:masterClrMapping/>
+  </p:clrMapOvr>
+</p:sld>
+</file>
+
+<file path=ppt/slides/slide3.xml><?xml version="1.0" encoding="utf-8"?>
+<p:sld xmlns:a="http://schemas.openxmlformats.org/drawingml/2006/main" xmlns:r="http://schemas.openxmlformats.org/officeDocument/2006/relationships" xmlns:p="http://schemas.openxmlformats.org/presentationml/2006/main">
+  <p:cSld>
+    <p:bg>
+      <p:bgPr>
+        <a:solidFill>
+          <a:schemeClr val="bg1"/>
+        </a:solidFill>
+        <a:effectLst/>
+      </p:bgPr>
+    </p:bg>
+    <p:spTree>
+      <p:nvGrpSpPr>
+        <p:cNvPr id="1" name=""/>
+        <p:cNvGrpSpPr/>
+        <p:nvPr/>
+      </p:nvGrpSpPr>
+      <p:grpSpPr>
+        <a:xfrm>
+          <a:off x="0" y="0"/>
+          <a:ext cx="0" cy="0"/>
+          <a:chOff x="0" y="0"/>
+          <a:chExt cx="0" cy="0"/>
+        </a:xfrm>
+      </p:grpSpPr>
+      <p:sp useBgFill="1">
+        <p:nvSpPr>
           <p:cNvPr id="38" name="Rectangle 37">
             <a:extLst>
               <a:ext uri="{FF2B5EF4-FFF2-40B4-BE49-F238E27FC236}">
@@ -6492,7 +8487,7 @@
 </p:sld>
 </file>
 
-<file path=ppt/slides/slide3.xml><?xml version="1.0" encoding="utf-8"?>
+<file path=ppt/slides/slide4.xml><?xml version="1.0" encoding="utf-8"?>
 <p:sld xmlns:a="http://schemas.openxmlformats.org/drawingml/2006/main" xmlns:r="http://schemas.openxmlformats.org/officeDocument/2006/relationships" xmlns:p="http://schemas.openxmlformats.org/presentationml/2006/main">
   <p:cSld>
     <p:bg>
@@ -7126,7 +9121,7 @@
 </p:sld>
 </file>
 
-<file path=ppt/slides/slide4.xml><?xml version="1.0" encoding="utf-8"?>
+<file path=ppt/slides/slide5.xml><?xml version="1.0" encoding="utf-8"?>
 <p:sld xmlns:a="http://schemas.openxmlformats.org/drawingml/2006/main" xmlns:r="http://schemas.openxmlformats.org/officeDocument/2006/relationships" xmlns:p="http://schemas.openxmlformats.org/presentationml/2006/main">
   <p:cSld>
     <p:bg>
@@ -7721,7 +9716,7 @@
 </p:sld>
 </file>
 
-<file path=ppt/slides/slide5.xml><?xml version="1.0" encoding="utf-8"?>
+<file path=ppt/slides/slide6.xml><?xml version="1.0" encoding="utf-8"?>
 <p:sld xmlns:a="http://schemas.openxmlformats.org/drawingml/2006/main" xmlns:r="http://schemas.openxmlformats.org/officeDocument/2006/relationships" xmlns:p="http://schemas.openxmlformats.org/presentationml/2006/main">
   <p:cSld>
     <p:bg>
@@ -8279,7 +10274,7 @@
 </p:sld>
 </file>
 
-<file path=ppt/slides/slide6.xml><?xml version="1.0" encoding="utf-8"?>
+<file path=ppt/slides/slide7.xml><?xml version="1.0" encoding="utf-8"?>
 <p:sld xmlns:a="http://schemas.openxmlformats.org/drawingml/2006/main" xmlns:r="http://schemas.openxmlformats.org/officeDocument/2006/relationships" xmlns:p="http://schemas.openxmlformats.org/presentationml/2006/main">
   <p:cSld>
     <p:bg>
@@ -8862,7 +10857,7 @@
 </p:sld>
 </file>
 
-<file path=ppt/slides/slide7.xml><?xml version="1.0" encoding="utf-8"?>
+<file path=ppt/slides/slide8.xml><?xml version="1.0" encoding="utf-8"?>
 <p:sld xmlns:a="http://schemas.openxmlformats.org/drawingml/2006/main" xmlns:r="http://schemas.openxmlformats.org/officeDocument/2006/relationships" xmlns:p="http://schemas.openxmlformats.org/presentationml/2006/main">
   <p:cSld>
     <p:bg>
@@ -9446,7 +11441,7 @@
 </p:sld>
 </file>
 
-<file path=ppt/slides/slide8.xml><?xml version="1.0" encoding="utf-8"?>
+<file path=ppt/slides/slide9.xml><?xml version="1.0" encoding="utf-8"?>
 <p:sld xmlns:a="http://schemas.openxmlformats.org/drawingml/2006/main" xmlns:r="http://schemas.openxmlformats.org/officeDocument/2006/relationships" xmlns:p="http://schemas.openxmlformats.org/presentationml/2006/main">
   <p:cSld>
     <p:bg>
@@ -10219,796 +12214,6 @@
     <p:extLst>
       <p:ext uri="{BB962C8B-B14F-4D97-AF65-F5344CB8AC3E}">
         <p14:creationId xmlns:p14="http://schemas.microsoft.com/office/powerpoint/2010/main" val="33643053"/>
-      </p:ext>
-    </p:extLst>
-  </p:cSld>
-  <p:clrMapOvr>
-    <a:masterClrMapping/>
-  </p:clrMapOvr>
-</p:sld>
-</file>
-
-<file path=ppt/slides/slide9.xml><?xml version="1.0" encoding="utf-8"?>
-<p:sld xmlns:a="http://schemas.openxmlformats.org/drawingml/2006/main" xmlns:r="http://schemas.openxmlformats.org/officeDocument/2006/relationships" xmlns:p="http://schemas.openxmlformats.org/presentationml/2006/main">
-  <p:cSld>
-    <p:bg>
-      <p:bgPr>
-        <a:solidFill>
-          <a:schemeClr val="bg1"/>
-        </a:solidFill>
-        <a:effectLst/>
-      </p:bgPr>
-    </p:bg>
-    <p:spTree>
-      <p:nvGrpSpPr>
-        <p:cNvPr id="1" name=""/>
-        <p:cNvGrpSpPr/>
-        <p:nvPr/>
-      </p:nvGrpSpPr>
-      <p:grpSpPr>
-        <a:xfrm>
-          <a:off x="0" y="0"/>
-          <a:ext cx="0" cy="0"/>
-          <a:chOff x="0" y="0"/>
-          <a:chExt cx="0" cy="0"/>
-        </a:xfrm>
-      </p:grpSpPr>
-      <p:sp useBgFill="1">
-        <p:nvSpPr>
-          <p:cNvPr id="10" name="Rectangle 9">
-            <a:extLst>
-              <a:ext uri="{FF2B5EF4-FFF2-40B4-BE49-F238E27FC236}">
-                <a16:creationId xmlns:a16="http://schemas.microsoft.com/office/drawing/2014/main" id="{5DCB5928-DC7D-4612-9922-441966E15627}"/>
-              </a:ext>
-              <a:ext uri="{C183D7F6-B498-43B3-948B-1728B52AA6E4}">
-                <adec:decorative xmlns:adec="http://schemas.microsoft.com/office/drawing/2017/decorative" val="1"/>
-              </a:ext>
-            </a:extLst>
-          </p:cNvPr>
-          <p:cNvSpPr>
-            <a:spLocks noGrp="1" noRot="1" noChangeAspect="1" noMove="1" noResize="1" noEditPoints="1" noAdjustHandles="1" noChangeArrowheads="1" noChangeShapeType="1" noTextEdit="1"/>
-          </p:cNvSpPr>
-          <p:nvPr>
-            <p:extLst>
-              <p:ext uri="{386F3935-93C4-4BCD-93E2-E3B085C9AB24}">
-                <p16:designElem xmlns:p16="http://schemas.microsoft.com/office/powerpoint/2015/main" val="1"/>
-              </p:ext>
-            </p:extLst>
-          </p:nvPr>
-        </p:nvSpPr>
-        <p:spPr>
-          <a:xfrm>
-            <a:off x="0" y="0"/>
-            <a:ext cx="12192000" cy="6858000"/>
-          </a:xfrm>
-          <a:prstGeom prst="rect">
-            <a:avLst/>
-          </a:prstGeom>
-          <a:ln>
-            <a:noFill/>
-          </a:ln>
-        </p:spPr>
-        <p:style>
-          <a:lnRef idx="2">
-            <a:schemeClr val="accent1">
-              <a:shade val="50000"/>
-            </a:schemeClr>
-          </a:lnRef>
-          <a:fillRef idx="1">
-            <a:schemeClr val="accent1"/>
-          </a:fillRef>
-          <a:effectRef idx="0">
-            <a:schemeClr val="accent1"/>
-          </a:effectRef>
-          <a:fontRef idx="minor">
-            <a:schemeClr val="lt1"/>
-          </a:fontRef>
-        </p:style>
-        <p:txBody>
-          <a:bodyPr rtlCol="0" anchor="ctr"/>
-          <a:lstStyle/>
-          <a:p>
-            <a:pPr algn="ctr"/>
-            <a:endParaRPr lang="en-US"/>
-          </a:p>
-        </p:txBody>
-      </p:sp>
-      <p:sp useBgFill="1">
-        <p:nvSpPr>
-          <p:cNvPr id="12" name="Freeform: Shape 11">
-            <a:extLst>
-              <a:ext uri="{FF2B5EF4-FFF2-40B4-BE49-F238E27FC236}">
-                <a16:creationId xmlns:a16="http://schemas.microsoft.com/office/drawing/2014/main" id="{682C1161-1736-45EC-99B7-33F3CAE9D517}"/>
-              </a:ext>
-              <a:ext uri="{C183D7F6-B498-43B3-948B-1728B52AA6E4}">
-                <adec:decorative xmlns:adec="http://schemas.microsoft.com/office/drawing/2017/decorative" val="1"/>
-              </a:ext>
-            </a:extLst>
-          </p:cNvPr>
-          <p:cNvSpPr>
-            <a:spLocks noGrp="1" noRot="1" noChangeAspect="1" noMove="1" noResize="1" noEditPoints="1" noAdjustHandles="1" noChangeArrowheads="1" noChangeShapeType="1" noTextEdit="1"/>
-          </p:cNvSpPr>
-          <p:nvPr>
-            <p:extLst>
-              <p:ext uri="{386F3935-93C4-4BCD-93E2-E3B085C9AB24}">
-                <p16:designElem xmlns:p16="http://schemas.microsoft.com/office/powerpoint/2015/main" val="1"/>
-              </p:ext>
-            </p:extLst>
-          </p:nvPr>
-        </p:nvSpPr>
-        <p:spPr>
-          <a:xfrm>
-            <a:off x="0" y="0"/>
-            <a:ext cx="4959047" cy="6858000"/>
-          </a:xfrm>
-          <a:custGeom>
-            <a:avLst/>
-            <a:gdLst>
-              <a:gd name="connsiteX0" fmla="*/ 0 w 4959047"/>
-              <a:gd name="connsiteY0" fmla="*/ 0 h 6858000"/>
-              <a:gd name="connsiteX1" fmla="*/ 4110127 w 4959047"/>
-              <a:gd name="connsiteY1" fmla="*/ 0 h 6858000"/>
-              <a:gd name="connsiteX2" fmla="*/ 4179024 w 4959047"/>
-              <a:gd name="connsiteY2" fmla="*/ 123368 h 6858000"/>
-              <a:gd name="connsiteX3" fmla="*/ 4959047 w 4959047"/>
-              <a:gd name="connsiteY3" fmla="*/ 3429000 h 6858000"/>
-              <a:gd name="connsiteX4" fmla="*/ 4179024 w 4959047"/>
-              <a:gd name="connsiteY4" fmla="*/ 6734633 h 6858000"/>
-              <a:gd name="connsiteX5" fmla="*/ 4110127 w 4959047"/>
-              <a:gd name="connsiteY5" fmla="*/ 6858000 h 6858000"/>
-              <a:gd name="connsiteX6" fmla="*/ 0 w 4959047"/>
-              <a:gd name="connsiteY6" fmla="*/ 6858000 h 6858000"/>
-            </a:gdLst>
-            <a:ahLst/>
-            <a:cxnLst>
-              <a:cxn ang="0">
-                <a:pos x="connsiteX0" y="connsiteY0"/>
-              </a:cxn>
-              <a:cxn ang="0">
-                <a:pos x="connsiteX1" y="connsiteY1"/>
-              </a:cxn>
-              <a:cxn ang="0">
-                <a:pos x="connsiteX2" y="connsiteY2"/>
-              </a:cxn>
-              <a:cxn ang="0">
-                <a:pos x="connsiteX3" y="connsiteY3"/>
-              </a:cxn>
-              <a:cxn ang="0">
-                <a:pos x="connsiteX4" y="connsiteY4"/>
-              </a:cxn>
-              <a:cxn ang="0">
-                <a:pos x="connsiteX5" y="connsiteY5"/>
-              </a:cxn>
-              <a:cxn ang="0">
-                <a:pos x="connsiteX6" y="connsiteY6"/>
-              </a:cxn>
-            </a:cxnLst>
-            <a:rect l="l" t="t" r="r" b="b"/>
-            <a:pathLst>
-              <a:path w="4959047" h="6858000">
-                <a:moveTo>
-                  <a:pt x="0" y="0"/>
-                </a:moveTo>
-                <a:lnTo>
-                  <a:pt x="4110127" y="0"/>
-                </a:lnTo>
-                <a:lnTo>
-                  <a:pt x="4179024" y="123368"/>
-                </a:lnTo>
-                <a:cubicBezTo>
-                  <a:pt x="4668929" y="1045156"/>
-                  <a:pt x="4959047" y="2189404"/>
-                  <a:pt x="4959047" y="3429000"/>
-                </a:cubicBezTo>
-                <a:cubicBezTo>
-                  <a:pt x="4959047" y="4668597"/>
-                  <a:pt x="4668929" y="5812845"/>
-                  <a:pt x="4179024" y="6734633"/>
-                </a:cubicBezTo>
-                <a:lnTo>
-                  <a:pt x="4110127" y="6858000"/>
-                </a:lnTo>
-                <a:lnTo>
-                  <a:pt x="0" y="6858000"/>
-                </a:lnTo>
-                <a:close/>
-              </a:path>
-            </a:pathLst>
-          </a:custGeom>
-          <a:ln w="9525">
-            <a:solidFill>
-              <a:srgbClr val="E6E6E6"/>
-            </a:solidFill>
-          </a:ln>
-          <a:effectLst>
-            <a:outerShdw blurRad="76200" dist="38100" algn="l" rotWithShape="0">
-              <a:schemeClr val="bg1">
-                <a:lumMod val="85000"/>
-                <a:alpha val="50000"/>
-              </a:schemeClr>
-            </a:outerShdw>
-          </a:effectLst>
-        </p:spPr>
-        <p:style>
-          <a:lnRef idx="2">
-            <a:schemeClr val="accent1">
-              <a:shade val="50000"/>
-            </a:schemeClr>
-          </a:lnRef>
-          <a:fillRef idx="1">
-            <a:schemeClr val="accent1"/>
-          </a:fillRef>
-          <a:effectRef idx="0">
-            <a:schemeClr val="accent1"/>
-          </a:effectRef>
-          <a:fontRef idx="minor">
-            <a:schemeClr val="lt1"/>
-          </a:fontRef>
-        </p:style>
-        <p:txBody>
-          <a:bodyPr wrap="square" rtlCol="0" anchor="ctr">
-            <a:noAutofit/>
-          </a:bodyPr>
-          <a:lstStyle/>
-          <a:p>
-            <a:pPr marL="0" marR="0" lvl="0" indent="0" algn="ctr" defTabSz="914400" rtl="0" eaLnBrk="1" fontAlgn="auto" latinLnBrk="0" hangingPunct="1">
-              <a:lnSpc>
-                <a:spcPct val="100000"/>
-              </a:lnSpc>
-              <a:spcBef>
-                <a:spcPts val="0"/>
-              </a:spcBef>
-              <a:spcAft>
-                <a:spcPts val="0"/>
-              </a:spcAft>
-              <a:buClrTx/>
-              <a:buSzTx/>
-              <a:buFontTx/>
-              <a:buNone/>
-              <a:tabLst/>
-              <a:defRPr/>
-            </a:pPr>
-            <a:endParaRPr kumimoji="0" lang="en-US" sz="1800" b="0" i="0" u="none" strike="noStrike" kern="1200" cap="none" spc="0" normalizeH="0" baseline="0" noProof="0">
-              <a:ln>
-                <a:noFill/>
-              </a:ln>
-              <a:solidFill>
-                <a:prstClr val="white"/>
-              </a:solidFill>
-              <a:effectLst/>
-              <a:uLnTx/>
-              <a:uFillTx/>
-              <a:latin typeface="Calibri" panose="020F0502020204030204"/>
-              <a:ea typeface="+mn-ea"/>
-              <a:cs typeface="+mn-cs"/>
-            </a:endParaRPr>
-          </a:p>
-        </p:txBody>
-      </p:sp>
-      <p:sp useBgFill="1">
-        <p:nvSpPr>
-          <p:cNvPr id="14" name="Freeform: Shape 13">
-            <a:extLst>
-              <a:ext uri="{FF2B5EF4-FFF2-40B4-BE49-F238E27FC236}">
-                <a16:creationId xmlns:a16="http://schemas.microsoft.com/office/drawing/2014/main" id="{84D4DDB8-B68F-45B0-9F62-C4279996F672}"/>
-              </a:ext>
-              <a:ext uri="{C183D7F6-B498-43B3-948B-1728B52AA6E4}">
-                <adec:decorative xmlns:adec="http://schemas.microsoft.com/office/drawing/2017/decorative" val="1"/>
-              </a:ext>
-            </a:extLst>
-          </p:cNvPr>
-          <p:cNvSpPr>
-            <a:spLocks noGrp="1" noRot="1" noChangeAspect="1" noMove="1" noResize="1" noEditPoints="1" noAdjustHandles="1" noChangeArrowheads="1" noChangeShapeType="1" noTextEdit="1"/>
-          </p:cNvSpPr>
-          <p:nvPr>
-            <p:extLst>
-              <p:ext uri="{386F3935-93C4-4BCD-93E2-E3B085C9AB24}">
-                <p16:designElem xmlns:p16="http://schemas.microsoft.com/office/powerpoint/2015/main" val="1"/>
-              </p:ext>
-            </p:extLst>
-          </p:nvPr>
-        </p:nvSpPr>
-        <p:spPr>
-          <a:xfrm>
-            <a:off x="0" y="0"/>
-            <a:ext cx="4948887" cy="6858000"/>
-          </a:xfrm>
-          <a:custGeom>
-            <a:avLst/>
-            <a:gdLst>
-              <a:gd name="connsiteX0" fmla="*/ 0 w 4948887"/>
-              <a:gd name="connsiteY0" fmla="*/ 0 h 6858000"/>
-              <a:gd name="connsiteX1" fmla="*/ 4099967 w 4948887"/>
-              <a:gd name="connsiteY1" fmla="*/ 0 h 6858000"/>
-              <a:gd name="connsiteX2" fmla="*/ 4168864 w 4948887"/>
-              <a:gd name="connsiteY2" fmla="*/ 123368 h 6858000"/>
-              <a:gd name="connsiteX3" fmla="*/ 4948887 w 4948887"/>
-              <a:gd name="connsiteY3" fmla="*/ 3429000 h 6858000"/>
-              <a:gd name="connsiteX4" fmla="*/ 4168864 w 4948887"/>
-              <a:gd name="connsiteY4" fmla="*/ 6734633 h 6858000"/>
-              <a:gd name="connsiteX5" fmla="*/ 4099967 w 4948887"/>
-              <a:gd name="connsiteY5" fmla="*/ 6858000 h 6858000"/>
-              <a:gd name="connsiteX6" fmla="*/ 0 w 4948887"/>
-              <a:gd name="connsiteY6" fmla="*/ 6858000 h 6858000"/>
-            </a:gdLst>
-            <a:ahLst/>
-            <a:cxnLst>
-              <a:cxn ang="0">
-                <a:pos x="connsiteX0" y="connsiteY0"/>
-              </a:cxn>
-              <a:cxn ang="0">
-                <a:pos x="connsiteX1" y="connsiteY1"/>
-              </a:cxn>
-              <a:cxn ang="0">
-                <a:pos x="connsiteX2" y="connsiteY2"/>
-              </a:cxn>
-              <a:cxn ang="0">
-                <a:pos x="connsiteX3" y="connsiteY3"/>
-              </a:cxn>
-              <a:cxn ang="0">
-                <a:pos x="connsiteX4" y="connsiteY4"/>
-              </a:cxn>
-              <a:cxn ang="0">
-                <a:pos x="connsiteX5" y="connsiteY5"/>
-              </a:cxn>
-              <a:cxn ang="0">
-                <a:pos x="connsiteX6" y="connsiteY6"/>
-              </a:cxn>
-            </a:cxnLst>
-            <a:rect l="l" t="t" r="r" b="b"/>
-            <a:pathLst>
-              <a:path w="4948887" h="6858000">
-                <a:moveTo>
-                  <a:pt x="0" y="0"/>
-                </a:moveTo>
-                <a:lnTo>
-                  <a:pt x="4099967" y="0"/>
-                </a:lnTo>
-                <a:lnTo>
-                  <a:pt x="4168864" y="123368"/>
-                </a:lnTo>
-                <a:cubicBezTo>
-                  <a:pt x="4658769" y="1045156"/>
-                  <a:pt x="4948887" y="2189404"/>
-                  <a:pt x="4948887" y="3429000"/>
-                </a:cubicBezTo>
-                <a:cubicBezTo>
-                  <a:pt x="4948887" y="4668597"/>
-                  <a:pt x="4658769" y="5812845"/>
-                  <a:pt x="4168864" y="6734633"/>
-                </a:cubicBezTo>
-                <a:lnTo>
-                  <a:pt x="4099967" y="6858000"/>
-                </a:lnTo>
-                <a:lnTo>
-                  <a:pt x="0" y="6858000"/>
-                </a:lnTo>
-                <a:close/>
-              </a:path>
-            </a:pathLst>
-          </a:custGeom>
-          <a:ln w="9525">
-            <a:noFill/>
-          </a:ln>
-          <a:effectLst/>
-        </p:spPr>
-        <p:style>
-          <a:lnRef idx="2">
-            <a:schemeClr val="accent1">
-              <a:shade val="50000"/>
-            </a:schemeClr>
-          </a:lnRef>
-          <a:fillRef idx="1">
-            <a:schemeClr val="accent1"/>
-          </a:fillRef>
-          <a:effectRef idx="0">
-            <a:schemeClr val="accent1"/>
-          </a:effectRef>
-          <a:fontRef idx="minor">
-            <a:schemeClr val="lt1"/>
-          </a:fontRef>
-        </p:style>
-        <p:txBody>
-          <a:bodyPr wrap="square" rtlCol="0" anchor="ctr">
-            <a:noAutofit/>
-          </a:bodyPr>
-          <a:lstStyle/>
-          <a:p>
-            <a:pPr marL="0" marR="0" lvl="0" indent="0" algn="ctr" defTabSz="914400" rtl="0" eaLnBrk="1" fontAlgn="auto" latinLnBrk="0" hangingPunct="1">
-              <a:lnSpc>
-                <a:spcPct val="100000"/>
-              </a:lnSpc>
-              <a:spcBef>
-                <a:spcPts val="0"/>
-              </a:spcBef>
-              <a:spcAft>
-                <a:spcPts val="0"/>
-              </a:spcAft>
-              <a:buClrTx/>
-              <a:buSzTx/>
-              <a:buFontTx/>
-              <a:buNone/>
-              <a:tabLst/>
-              <a:defRPr/>
-            </a:pPr>
-            <a:endParaRPr kumimoji="0" lang="en-US" sz="1800" b="0" i="0" u="none" strike="noStrike" kern="1200" cap="none" spc="0" normalizeH="0" baseline="0" noProof="0">
-              <a:ln>
-                <a:noFill/>
-              </a:ln>
-              <a:solidFill>
-                <a:prstClr val="white"/>
-              </a:solidFill>
-              <a:effectLst/>
-              <a:uLnTx/>
-              <a:uFillTx/>
-              <a:latin typeface="Calibri" panose="020F0502020204030204"/>
-              <a:ea typeface="+mn-ea"/>
-              <a:cs typeface="+mn-cs"/>
-            </a:endParaRPr>
-          </a:p>
-        </p:txBody>
-      </p:sp>
-      <p:sp>
-        <p:nvSpPr>
-          <p:cNvPr id="2" name="Заголовок 1">
-            <a:extLst>
-              <a:ext uri="{FF2B5EF4-FFF2-40B4-BE49-F238E27FC236}">
-                <a16:creationId xmlns:a16="http://schemas.microsoft.com/office/drawing/2014/main" id="{D2465735-C817-48E1-813E-8B4DA7F7A9F1}"/>
-              </a:ext>
-            </a:extLst>
-          </p:cNvPr>
-          <p:cNvSpPr>
-            <a:spLocks noGrp="1"/>
-          </p:cNvSpPr>
-          <p:nvPr>
-            <p:ph type="ctrTitle"/>
-          </p:nvPr>
-        </p:nvSpPr>
-        <p:spPr>
-          <a:xfrm>
-            <a:off x="477980" y="1122363"/>
-            <a:ext cx="4567567" cy="1961137"/>
-          </a:xfrm>
-        </p:spPr>
-        <p:txBody>
-          <a:bodyPr anchor="b">
-            <a:normAutofit/>
-          </a:bodyPr>
-          <a:lstStyle/>
-          <a:p>
-            <a:pPr algn="l"/>
-            <a:r>
-              <a:rPr lang="en-US" sz="4800" dirty="0">
-                <a:solidFill>
-                  <a:schemeClr val="accent2"/>
-                </a:solidFill>
-              </a:rPr>
-              <a:t>def</a:t>
-            </a:r>
-            <a:r>
-              <a:rPr lang="en-US" sz="4800" dirty="0"/>
-              <a:t> </a:t>
-            </a:r>
-            <a:r>
-              <a:rPr lang="en-US" sz="4800" dirty="0" err="1">
-                <a:solidFill>
-                  <a:schemeClr val="accent4">
-                    <a:lumMod val="75000"/>
-                  </a:schemeClr>
-                </a:solidFill>
-              </a:rPr>
-              <a:t>load_image</a:t>
-            </a:r>
-            <a:r>
-              <a:rPr lang="en-US" sz="4800" dirty="0"/>
-              <a:t>()</a:t>
-            </a:r>
-            <a:endParaRPr lang="ru-RU" sz="4800" dirty="0"/>
-          </a:p>
-        </p:txBody>
-      </p:sp>
-      <p:sp>
-        <p:nvSpPr>
-          <p:cNvPr id="3" name="Подзаголовок 2">
-            <a:extLst>
-              <a:ext uri="{FF2B5EF4-FFF2-40B4-BE49-F238E27FC236}">
-                <a16:creationId xmlns:a16="http://schemas.microsoft.com/office/drawing/2014/main" id="{DF2CC5D9-BAE4-4FA0-A9E0-5D789036ED32}"/>
-              </a:ext>
-            </a:extLst>
-          </p:cNvPr>
-          <p:cNvSpPr>
-            <a:spLocks noGrp="1"/>
-          </p:cNvSpPr>
-          <p:nvPr>
-            <p:ph type="subTitle" idx="1"/>
-          </p:nvPr>
-        </p:nvSpPr>
-        <p:spPr>
-          <a:xfrm>
-            <a:off x="477981" y="4872922"/>
-            <a:ext cx="3933306" cy="1208141"/>
-          </a:xfrm>
-        </p:spPr>
-        <p:txBody>
-          <a:bodyPr>
-            <a:normAutofit/>
-          </a:bodyPr>
-          <a:lstStyle/>
-          <a:p>
-            <a:pPr algn="l"/>
-            <a:r>
-              <a:rPr lang="ru-RU" sz="2000" dirty="0"/>
-              <a:t>Функция загрузки картинок</a:t>
-            </a:r>
-            <a:r>
-              <a:rPr lang="en-US" sz="2000" dirty="0"/>
-              <a:t>.</a:t>
-            </a:r>
-          </a:p>
-          <a:p>
-            <a:pPr algn="l"/>
-            <a:r>
-              <a:rPr lang="ru-RU" sz="2000" dirty="0"/>
-              <a:t>Ниже представлена таже функция только встроенная.</a:t>
-            </a:r>
-          </a:p>
-        </p:txBody>
-      </p:sp>
-      <p:sp>
-        <p:nvSpPr>
-          <p:cNvPr id="16" name="Rectangle 15">
-            <a:extLst>
-              <a:ext uri="{FF2B5EF4-FFF2-40B4-BE49-F238E27FC236}">
-                <a16:creationId xmlns:a16="http://schemas.microsoft.com/office/drawing/2014/main" id="{AF2F604E-43BE-4DC3-B983-E071523364F8}"/>
-              </a:ext>
-              <a:ext uri="{C183D7F6-B498-43B3-948B-1728B52AA6E4}">
-                <adec:decorative xmlns:adec="http://schemas.microsoft.com/office/drawing/2017/decorative" val="1"/>
-              </a:ext>
-            </a:extLst>
-          </p:cNvPr>
-          <p:cNvSpPr>
-            <a:spLocks noGrp="1" noRot="1" noChangeAspect="1" noMove="1" noResize="1" noEditPoints="1" noAdjustHandles="1" noChangeArrowheads="1" noChangeShapeType="1" noTextEdit="1"/>
-          </p:cNvSpPr>
-          <p:nvPr>
-            <p:extLst>
-              <p:ext uri="{386F3935-93C4-4BCD-93E2-E3B085C9AB24}">
-                <p16:designElem xmlns:p16="http://schemas.microsoft.com/office/powerpoint/2015/main" val="1"/>
-              </p:ext>
-            </p:extLst>
-          </p:nvPr>
-        </p:nvSpPr>
-        <p:spPr>
-          <a:xfrm rot="5400000">
-            <a:off x="759921" y="346791"/>
-            <a:ext cx="146304" cy="704088"/>
-          </a:xfrm>
-          <a:prstGeom prst="rect">
-            <a:avLst/>
-          </a:prstGeom>
-          <a:solidFill>
-            <a:schemeClr val="accent2"/>
-          </a:solidFill>
-          <a:ln>
-            <a:noFill/>
-          </a:ln>
-        </p:spPr>
-        <p:style>
-          <a:lnRef idx="2">
-            <a:schemeClr val="accent1">
-              <a:shade val="50000"/>
-            </a:schemeClr>
-          </a:lnRef>
-          <a:fillRef idx="1">
-            <a:schemeClr val="accent1"/>
-          </a:fillRef>
-          <a:effectRef idx="0">
-            <a:schemeClr val="accent1"/>
-          </a:effectRef>
-          <a:fontRef idx="minor">
-            <a:schemeClr val="lt1"/>
-          </a:fontRef>
-        </p:style>
-        <p:txBody>
-          <a:bodyPr rtlCol="0" anchor="ctr"/>
-          <a:lstStyle/>
-          <a:p>
-            <a:pPr algn="ctr"/>
-            <a:endParaRPr lang="en-US">
-              <a:solidFill>
-                <a:prstClr val="white"/>
-              </a:solidFill>
-              <a:latin typeface="Calibri" panose="020F0502020204030204"/>
-            </a:endParaRPr>
-          </a:p>
-        </p:txBody>
-      </p:sp>
-      <p:sp>
-        <p:nvSpPr>
-          <p:cNvPr id="18" name="Rectangle 17">
-            <a:extLst>
-              <a:ext uri="{FF2B5EF4-FFF2-40B4-BE49-F238E27FC236}">
-                <a16:creationId xmlns:a16="http://schemas.microsoft.com/office/drawing/2014/main" id="{08C9B587-E65E-4B52-B37C-ABEBB6E87928}"/>
-              </a:ext>
-              <a:ext uri="{C183D7F6-B498-43B3-948B-1728B52AA6E4}">
-                <adec:decorative xmlns:adec="http://schemas.microsoft.com/office/drawing/2017/decorative" val="1"/>
-              </a:ext>
-            </a:extLst>
-          </p:cNvPr>
-          <p:cNvSpPr>
-            <a:spLocks noGrp="1" noRot="1" noChangeAspect="1" noMove="1" noResize="1" noEditPoints="1" noAdjustHandles="1" noChangeArrowheads="1" noChangeShapeType="1" noTextEdit="1"/>
-          </p:cNvSpPr>
-          <p:nvPr>
-            <p:extLst>
-              <p:ext uri="{386F3935-93C4-4BCD-93E2-E3B085C9AB24}">
-                <p16:designElem xmlns:p16="http://schemas.microsoft.com/office/powerpoint/2015/main" val="1"/>
-              </p:ext>
-            </p:extLst>
-          </p:nvPr>
-        </p:nvSpPr>
-        <p:spPr>
-          <a:xfrm>
-            <a:off x="481029" y="4546920"/>
-            <a:ext cx="4023360" cy="18288"/>
-          </a:xfrm>
-          <a:prstGeom prst="rect">
-            <a:avLst/>
-          </a:prstGeom>
-          <a:solidFill>
-            <a:srgbClr val="D5D5D5"/>
-          </a:solidFill>
-          <a:ln w="3175">
-            <a:noFill/>
-          </a:ln>
-          <a:effectLst/>
-        </p:spPr>
-        <p:style>
-          <a:lnRef idx="2">
-            <a:schemeClr val="accent1">
-              <a:shade val="50000"/>
-            </a:schemeClr>
-          </a:lnRef>
-          <a:fillRef idx="1">
-            <a:schemeClr val="accent1"/>
-          </a:fillRef>
-          <a:effectRef idx="0">
-            <a:schemeClr val="accent1"/>
-          </a:effectRef>
-          <a:fontRef idx="minor">
-            <a:schemeClr val="lt1"/>
-          </a:fontRef>
-        </p:style>
-        <p:txBody>
-          <a:bodyPr rtlCol="0" anchor="ctr"/>
-          <a:lstStyle/>
-          <a:p>
-            <a:pPr marL="0" marR="0" lvl="0" indent="0" algn="ctr" defTabSz="914400" rtl="0" eaLnBrk="1" fontAlgn="auto" latinLnBrk="0" hangingPunct="1">
-              <a:lnSpc>
-                <a:spcPct val="100000"/>
-              </a:lnSpc>
-              <a:spcBef>
-                <a:spcPts val="0"/>
-              </a:spcBef>
-              <a:spcAft>
-                <a:spcPts val="0"/>
-              </a:spcAft>
-              <a:buClrTx/>
-              <a:buSzTx/>
-              <a:buFontTx/>
-              <a:buNone/>
-              <a:tabLst/>
-              <a:defRPr/>
-            </a:pPr>
-            <a:endParaRPr kumimoji="0" lang="en-US" sz="1800" b="0" i="0" u="none" strike="noStrike" kern="1200" cap="none" spc="0" normalizeH="0" baseline="0" noProof="0">
-              <a:ln>
-                <a:noFill/>
-              </a:ln>
-              <a:solidFill>
-                <a:prstClr val="white"/>
-              </a:solidFill>
-              <a:effectLst/>
-              <a:uLnTx/>
-              <a:uFillTx/>
-              <a:latin typeface="Calibri" panose="020F0502020204030204"/>
-              <a:ea typeface="+mn-ea"/>
-              <a:cs typeface="+mn-cs"/>
-            </a:endParaRPr>
-          </a:p>
-        </p:txBody>
-      </p:sp>
-      <p:pic>
-        <p:nvPicPr>
-          <p:cNvPr id="5" name="Рисунок 4" descr="Изображение выглядит как текст, снимок экрана, Шрифт&#10;&#10;Автоматически созданное описание">
-            <a:extLst>
-              <a:ext uri="{FF2B5EF4-FFF2-40B4-BE49-F238E27FC236}">
-                <a16:creationId xmlns:a16="http://schemas.microsoft.com/office/drawing/2014/main" id="{ABEAD5D0-1232-4E64-806C-F42D05452E3C}"/>
-              </a:ext>
-            </a:extLst>
-          </p:cNvPr>
-          <p:cNvPicPr>
-            <a:picLocks noChangeAspect="1"/>
-          </p:cNvPicPr>
-          <p:nvPr/>
-        </p:nvPicPr>
-        <p:blipFill>
-          <a:blip r:embed="rId2"/>
-          <a:stretch>
-            <a:fillRect/>
-          </a:stretch>
-        </p:blipFill>
-        <p:spPr>
-          <a:xfrm>
-            <a:off x="5414356" y="1747967"/>
-            <a:ext cx="6408836" cy="3210814"/>
-          </a:xfrm>
-          <a:prstGeom prst="rect">
-            <a:avLst/>
-          </a:prstGeom>
-        </p:spPr>
-      </p:pic>
-      <p:pic>
-        <p:nvPicPr>
-          <p:cNvPr id="7" name="Рисунок 6">
-            <a:extLst>
-              <a:ext uri="{FF2B5EF4-FFF2-40B4-BE49-F238E27FC236}">
-                <a16:creationId xmlns:a16="http://schemas.microsoft.com/office/drawing/2014/main" id="{31115F63-EB3D-4F8E-8014-0DB8BE900875}"/>
-              </a:ext>
-            </a:extLst>
-          </p:cNvPr>
-          <p:cNvPicPr>
-            <a:picLocks noChangeAspect="1"/>
-          </p:cNvPicPr>
-          <p:nvPr/>
-        </p:nvPicPr>
-        <p:blipFill>
-          <a:blip r:embed="rId3"/>
-          <a:stretch>
-            <a:fillRect/>
-          </a:stretch>
-        </p:blipFill>
-        <p:spPr>
-          <a:xfrm>
-            <a:off x="4396390" y="5113943"/>
-            <a:ext cx="790311" cy="726098"/>
-          </a:xfrm>
-          <a:prstGeom prst="rect">
-            <a:avLst/>
-          </a:prstGeom>
-        </p:spPr>
-      </p:pic>
-      <p:pic>
-        <p:nvPicPr>
-          <p:cNvPr id="9" name="Рисунок 8">
-            <a:extLst>
-              <a:ext uri="{FF2B5EF4-FFF2-40B4-BE49-F238E27FC236}">
-                <a16:creationId xmlns:a16="http://schemas.microsoft.com/office/drawing/2014/main" id="{BEAD2C92-D072-4DD8-BCDE-647DA748D027}"/>
-              </a:ext>
-            </a:extLst>
-          </p:cNvPr>
-          <p:cNvPicPr>
-            <a:picLocks noChangeAspect="1"/>
-          </p:cNvPicPr>
-          <p:nvPr/>
-        </p:nvPicPr>
-        <p:blipFill>
-          <a:blip r:embed="rId4"/>
-          <a:stretch>
-            <a:fillRect/>
-          </a:stretch>
-        </p:blipFill>
-        <p:spPr>
-          <a:xfrm>
-            <a:off x="1574279" y="3019581"/>
-            <a:ext cx="1836860" cy="1500803"/>
-          </a:xfrm>
-          <a:prstGeom prst="rect">
-            <a:avLst/>
-          </a:prstGeom>
-        </p:spPr>
-      </p:pic>
-    </p:spTree>
-    <p:extLst>
-      <p:ext uri="{BB962C8B-B14F-4D97-AF65-F5344CB8AC3E}">
-        <p14:creationId xmlns:p14="http://schemas.microsoft.com/office/powerpoint/2010/main" val="3525584728"/>
       </p:ext>
     </p:extLst>
   </p:cSld>
